--- a/ApproachAvoidanceConflict/media/instructions/instructions_P/createInstructions.pptx
+++ b/ApproachAvoidanceConflict/media/instructions/instructions_P/createInstructions.pptx
@@ -5,7 +5,7 @@
     <p:sldMasterId id="2147483660" r:id="rId1"/>
   </p:sldMasterIdLst>
   <p:notesMasterIdLst>
-    <p:notesMasterId r:id="rId25"/>
+    <p:notesMasterId r:id="rId26"/>
   </p:notesMasterIdLst>
   <p:sldIdLst>
     <p:sldId id="346" r:id="rId2"/>
@@ -31,6 +31,7 @@
     <p:sldId id="369" r:id="rId22"/>
     <p:sldId id="520" r:id="rId23"/>
     <p:sldId id="517" r:id="rId24"/>
+    <p:sldId id="521" r:id="rId25"/>
   </p:sldIdLst>
   <p:sldSz cx="9144000" cy="6858000" type="screen4x3"/>
   <p:notesSz cx="6858000" cy="9144000"/>
@@ -129,6 +130,22 @@
       </a:defRPr>
     </a:lvl9pPr>
   </p:defaultTextStyle>
+  <p:extLst>
+    <p:ext uri="{EFAFB233-063F-42B5-8137-9DF3F51BA10A}">
+      <p15:sldGuideLst xmlns:p15="http://schemas.microsoft.com/office/powerpoint/2012/main">
+        <p15:guide id="1" orient="horz" pos="2160">
+          <p15:clr>
+            <a:srgbClr val="A4A3A4"/>
+          </p15:clr>
+        </p15:guide>
+        <p15:guide id="2" pos="2880">
+          <p15:clr>
+            <a:srgbClr val="A4A3A4"/>
+          </p15:clr>
+        </p15:guide>
+      </p15:sldGuideLst>
+    </p:ext>
+  </p:extLst>
 </p:presentation>
 </file>
 
@@ -221,7 +238,7 @@
           <a:p>
             <a:fld id="{5ACDFB13-8C7E-2148-B293-047F9641DD71}" type="datetimeFigureOut">
               <a:rPr lang="en-US" smtClean="0"/>
-              <a:t>6/3/2015</a:t>
+              <a:t>2/22/2021</a:t>
             </a:fld>
             <a:endParaRPr lang="en-US" dirty="0"/>
           </a:p>
@@ -285,38 +302,37 @@
           <a:p>
             <a:pPr lvl="0"/>
             <a:r>
-              <a:rPr lang="en-US" smtClean="0"/>
+              <a:rPr lang="en-US"/>
               <a:t>Click to edit Master text styles</a:t>
             </a:r>
           </a:p>
           <a:p>
             <a:pPr lvl="1"/>
             <a:r>
-              <a:rPr lang="en-US" smtClean="0"/>
+              <a:rPr lang="en-US"/>
               <a:t>Second level</a:t>
             </a:r>
           </a:p>
           <a:p>
             <a:pPr lvl="2"/>
             <a:r>
-              <a:rPr lang="en-US" smtClean="0"/>
+              <a:rPr lang="en-US"/>
               <a:t>Third level</a:t>
             </a:r>
           </a:p>
           <a:p>
             <a:pPr lvl="3"/>
             <a:r>
-              <a:rPr lang="en-US" smtClean="0"/>
+              <a:rPr lang="en-US"/>
               <a:t>Fourth level</a:t>
             </a:r>
           </a:p>
           <a:p>
             <a:pPr lvl="4"/>
             <a:r>
-              <a:rPr lang="en-US" smtClean="0"/>
+              <a:rPr lang="en-US"/>
               <a:t>Fifth level</a:t>
             </a:r>
-            <a:endParaRPr lang="en-US"/>
           </a:p>
         </p:txBody>
       </p:sp>
@@ -534,11 +550,11 @@
           <a:lstStyle/>
           <a:p>
             <a:r>
-              <a:rPr lang="en-US" dirty="0" smtClean="0"/>
+              <a:rPr lang="en-US" dirty="0"/>
               <a:t>Do</a:t>
             </a:r>
             <a:r>
-              <a:rPr lang="en-US" baseline="0" dirty="0" smtClean="0"/>
+              <a:rPr lang="en-US" baseline="0" dirty="0"/>
               <a:t> we need to label this differently for the subject’s purpose?</a:t>
             </a:r>
             <a:endParaRPr lang="en-US" dirty="0"/>
@@ -962,10 +978,9 @@
           <a:lstStyle/>
           <a:p>
             <a:r>
-              <a:rPr lang="en-US" dirty="0" smtClean="0"/>
+              <a:rPr lang="en-US" dirty="0"/>
               <a:t>sounds/IADSPA/812_Choir.mp3</a:t>
             </a:r>
-            <a:endParaRPr lang="en-US" dirty="0"/>
           </a:p>
         </p:txBody>
       </p:sp>
@@ -1050,10 +1065,9 @@
           <a:lstStyle/>
           <a:p>
             <a:r>
-              <a:rPr lang="en-US" dirty="0" smtClean="0"/>
+              <a:rPr lang="en-US" dirty="0"/>
               <a:t>sounds/IADSPA/812_Choir.mp3</a:t>
             </a:r>
-            <a:endParaRPr lang="en-US" dirty="0"/>
           </a:p>
         </p:txBody>
       </p:sp>
@@ -1155,14 +1169,14 @@
               <a:defRPr/>
             </a:pPr>
             <a:r>
-              <a:rPr lang="en-US" dirty="0" smtClean="0"/>
+              <a:rPr lang="en-US" dirty="0"/>
               <a:t>Have backspace go back to before the example</a:t>
             </a:r>
             <a:r>
-              <a:rPr lang="en-US" baseline="0" dirty="0" smtClean="0"/>
+              <a:rPr lang="en-US" baseline="0" dirty="0"/>
               <a:t> images were shown.</a:t>
             </a:r>
-            <a:endParaRPr lang="en-US" dirty="0" smtClean="0"/>
+            <a:endParaRPr lang="en-US" dirty="0"/>
           </a:p>
           <a:p>
             <a:endParaRPr lang="en-US" dirty="0"/>
@@ -1267,7 +1281,7 @@
               <a:defRPr/>
             </a:pPr>
             <a:r>
-              <a:rPr lang="en-US" dirty="0" smtClean="0"/>
+              <a:rPr lang="en-US" dirty="0"/>
               <a:t>sounds/IADSNA/698_RagingFire.mp3 </a:t>
             </a:r>
           </a:p>
@@ -1374,7 +1388,7 @@
               <a:defRPr/>
             </a:pPr>
             <a:r>
-              <a:rPr lang="en-US" dirty="0" smtClean="0"/>
+              <a:rPr lang="en-US" dirty="0"/>
               <a:t>sounds/IADSNA/698_RagingFire.mp3 </a:t>
             </a:r>
           </a:p>
@@ -1464,11 +1478,11 @@
           <a:lstStyle/>
           <a:p>
             <a:r>
-              <a:rPr lang="en-US" dirty="0" smtClean="0"/>
+              <a:rPr lang="en-US" dirty="0"/>
               <a:t>Have backspace go back to before the example</a:t>
             </a:r>
             <a:r>
-              <a:rPr lang="en-US" baseline="0" dirty="0" smtClean="0"/>
+              <a:rPr lang="en-US" baseline="0" dirty="0"/>
               <a:t> images were shown.</a:t>
             </a:r>
             <a:endParaRPr lang="en-US" dirty="0"/>
@@ -1892,10 +1906,9 @@
           <a:lstStyle/>
           <a:p>
             <a:r>
-              <a:rPr lang="en-US" dirty="0" smtClean="0"/>
+              <a:rPr lang="en-US" dirty="0"/>
               <a:t>Outside the scanner</a:t>
             </a:r>
-            <a:endParaRPr lang="en-US" dirty="0"/>
           </a:p>
         </p:txBody>
       </p:sp>
@@ -1926,6 +1939,98 @@
     <p:extLst>
       <p:ext uri="{BB962C8B-B14F-4D97-AF65-F5344CB8AC3E}">
         <p14:creationId xmlns:p14="http://schemas.microsoft.com/office/powerpoint/2010/main" val="3208597859"/>
+      </p:ext>
+    </p:extLst>
+  </p:cSld>
+  <p:clrMapOvr>
+    <a:masterClrMapping/>
+  </p:clrMapOvr>
+</p:notes>
+</file>
+
+<file path=ppt/notesSlides/notesSlide24.xml><?xml version="1.0" encoding="utf-8"?>
+<p:notes xmlns:a="http://schemas.openxmlformats.org/drawingml/2006/main" xmlns:r="http://schemas.openxmlformats.org/officeDocument/2006/relationships" xmlns:p="http://schemas.openxmlformats.org/presentationml/2006/main">
+  <p:cSld>
+    <p:spTree>
+      <p:nvGrpSpPr>
+        <p:cNvPr id="1" name=""/>
+        <p:cNvGrpSpPr/>
+        <p:nvPr/>
+      </p:nvGrpSpPr>
+      <p:grpSpPr>
+        <a:xfrm>
+          <a:off x="0" y="0"/>
+          <a:ext cx="0" cy="0"/>
+          <a:chOff x="0" y="0"/>
+          <a:chExt cx="0" cy="0"/>
+        </a:xfrm>
+      </p:grpSpPr>
+      <p:sp>
+        <p:nvSpPr>
+          <p:cNvPr id="2" name="Slide Image Placeholder 1"/>
+          <p:cNvSpPr>
+            <a:spLocks noGrp="1" noRot="1" noChangeAspect="1"/>
+          </p:cNvSpPr>
+          <p:nvPr>
+            <p:ph type="sldImg"/>
+          </p:nvPr>
+        </p:nvSpPr>
+        <p:spPr/>
+      </p:sp>
+      <p:sp>
+        <p:nvSpPr>
+          <p:cNvPr id="3" name="Notes Placeholder 2"/>
+          <p:cNvSpPr>
+            <a:spLocks noGrp="1"/>
+          </p:cNvSpPr>
+          <p:nvPr>
+            <p:ph type="body" idx="1"/>
+          </p:nvPr>
+        </p:nvSpPr>
+        <p:spPr/>
+        <p:txBody>
+          <a:bodyPr/>
+          <a:lstStyle/>
+          <a:p>
+            <a:r>
+              <a:rPr lang="en-US" dirty="0"/>
+              <a:t>Do</a:t>
+            </a:r>
+            <a:r>
+              <a:rPr lang="en-US" baseline="0" dirty="0"/>
+              <a:t> we need to label this differently for the subject’s purpose?</a:t>
+            </a:r>
+            <a:endParaRPr lang="en-US" dirty="0"/>
+          </a:p>
+        </p:txBody>
+      </p:sp>
+      <p:sp>
+        <p:nvSpPr>
+          <p:cNvPr id="4" name="Slide Number Placeholder 3"/>
+          <p:cNvSpPr>
+            <a:spLocks noGrp="1"/>
+          </p:cNvSpPr>
+          <p:nvPr>
+            <p:ph type="sldNum" sz="quarter" idx="10"/>
+          </p:nvPr>
+        </p:nvSpPr>
+        <p:spPr/>
+        <p:txBody>
+          <a:bodyPr/>
+          <a:lstStyle/>
+          <a:p>
+            <a:fld id="{BCAE12D7-AE97-9243-8341-9A20FCA5A307}" type="slidenum">
+              <a:rPr lang="en-US" smtClean="0"/>
+              <a:t>24</a:t>
+            </a:fld>
+            <a:endParaRPr lang="en-US"/>
+          </a:p>
+        </p:txBody>
+      </p:sp>
+    </p:spTree>
+    <p:extLst>
+      <p:ext uri="{BB962C8B-B14F-4D97-AF65-F5344CB8AC3E}">
+        <p14:creationId xmlns:p14="http://schemas.microsoft.com/office/powerpoint/2010/main" val="3015180917"/>
       </p:ext>
     </p:extLst>
   </p:cSld>
@@ -1980,11 +2085,11 @@
           <a:lstStyle/>
           <a:p>
             <a:r>
-              <a:rPr lang="en-US" dirty="0" smtClean="0"/>
+              <a:rPr lang="en-US" dirty="0"/>
               <a:t>On these</a:t>
             </a:r>
             <a:r>
-              <a:rPr lang="en-US" baseline="0" dirty="0" smtClean="0"/>
+              <a:rPr lang="en-US" baseline="0" dirty="0"/>
               <a:t> – Teresa would just read the top part. But then leave the slide up for several seconds after she is done reading to give them time to study the image.</a:t>
             </a:r>
             <a:endParaRPr lang="en-US" dirty="0"/>
@@ -2341,7 +2446,7 @@
               <a:defRPr/>
             </a:pPr>
             <a:r>
-              <a:rPr lang="en-US" dirty="0" smtClean="0"/>
+              <a:rPr lang="en-US" dirty="0"/>
               <a:t>Automatically move on to the next slide</a:t>
             </a:r>
           </a:p>
@@ -2592,10 +2697,9 @@
           <a:lstStyle/>
           <a:p>
             <a:r>
-              <a:rPr lang="en-US" smtClean="0"/>
+              <a:rPr lang="en-US"/>
               <a:t>Click to edit Master title style</a:t>
             </a:r>
-            <a:endParaRPr lang="en-US"/>
           </a:p>
         </p:txBody>
       </p:sp>
@@ -2711,10 +2815,9 @@
           </a:lstStyle>
           <a:p>
             <a:r>
-              <a:rPr lang="en-US" smtClean="0"/>
+              <a:rPr lang="en-US"/>
               <a:t>Click to edit Master subtitle style</a:t>
             </a:r>
-            <a:endParaRPr lang="en-US"/>
           </a:p>
         </p:txBody>
       </p:sp>
@@ -2735,7 +2838,7 @@
           <a:p>
             <a:fld id="{E69A4D3A-6EF8-7448-AC6F-AD52FEDAA6A8}" type="datetimeFigureOut">
               <a:rPr lang="en-US" smtClean="0"/>
-              <a:t>6/3/2015</a:t>
+              <a:t>2/22/2021</a:t>
             </a:fld>
             <a:endParaRPr lang="en-US" dirty="0"/>
           </a:p>
@@ -2829,10 +2932,9 @@
           <a:lstStyle/>
           <a:p>
             <a:r>
-              <a:rPr lang="en-US" smtClean="0"/>
+              <a:rPr lang="en-US"/>
               <a:t>Click to edit Master title style</a:t>
             </a:r>
-            <a:endParaRPr lang="en-US"/>
           </a:p>
         </p:txBody>
       </p:sp>
@@ -2853,38 +2955,37 @@
           <a:p>
             <a:pPr lvl="0"/>
             <a:r>
-              <a:rPr lang="en-US" smtClean="0"/>
+              <a:rPr lang="en-US"/>
               <a:t>Click to edit Master text styles</a:t>
             </a:r>
           </a:p>
           <a:p>
             <a:pPr lvl="1"/>
             <a:r>
-              <a:rPr lang="en-US" smtClean="0"/>
+              <a:rPr lang="en-US"/>
               <a:t>Second level</a:t>
             </a:r>
           </a:p>
           <a:p>
             <a:pPr lvl="2"/>
             <a:r>
-              <a:rPr lang="en-US" smtClean="0"/>
+              <a:rPr lang="en-US"/>
               <a:t>Third level</a:t>
             </a:r>
           </a:p>
           <a:p>
             <a:pPr lvl="3"/>
             <a:r>
-              <a:rPr lang="en-US" smtClean="0"/>
+              <a:rPr lang="en-US"/>
               <a:t>Fourth level</a:t>
             </a:r>
           </a:p>
           <a:p>
             <a:pPr lvl="4"/>
             <a:r>
-              <a:rPr lang="en-US" smtClean="0"/>
+              <a:rPr lang="en-US"/>
               <a:t>Fifth level</a:t>
             </a:r>
-            <a:endParaRPr lang="en-US"/>
           </a:p>
         </p:txBody>
       </p:sp>
@@ -2905,7 +3006,7 @@
           <a:p>
             <a:fld id="{E69A4D3A-6EF8-7448-AC6F-AD52FEDAA6A8}" type="datetimeFigureOut">
               <a:rPr lang="en-US" smtClean="0"/>
-              <a:t>6/3/2015</a:t>
+              <a:t>2/22/2021</a:t>
             </a:fld>
             <a:endParaRPr lang="en-US" dirty="0"/>
           </a:p>
@@ -3004,10 +3105,9 @@
           <a:lstStyle/>
           <a:p>
             <a:r>
-              <a:rPr lang="en-US" smtClean="0"/>
+              <a:rPr lang="en-US"/>
               <a:t>Click to edit Master title style</a:t>
             </a:r>
-            <a:endParaRPr lang="en-US"/>
           </a:p>
         </p:txBody>
       </p:sp>
@@ -3033,38 +3133,37 @@
           <a:p>
             <a:pPr lvl="0"/>
             <a:r>
-              <a:rPr lang="en-US" smtClean="0"/>
+              <a:rPr lang="en-US"/>
               <a:t>Click to edit Master text styles</a:t>
             </a:r>
           </a:p>
           <a:p>
             <a:pPr lvl="1"/>
             <a:r>
-              <a:rPr lang="en-US" smtClean="0"/>
+              <a:rPr lang="en-US"/>
               <a:t>Second level</a:t>
             </a:r>
           </a:p>
           <a:p>
             <a:pPr lvl="2"/>
             <a:r>
-              <a:rPr lang="en-US" smtClean="0"/>
+              <a:rPr lang="en-US"/>
               <a:t>Third level</a:t>
             </a:r>
           </a:p>
           <a:p>
             <a:pPr lvl="3"/>
             <a:r>
-              <a:rPr lang="en-US" smtClean="0"/>
+              <a:rPr lang="en-US"/>
               <a:t>Fourth level</a:t>
             </a:r>
           </a:p>
           <a:p>
             <a:pPr lvl="4"/>
             <a:r>
-              <a:rPr lang="en-US" smtClean="0"/>
+              <a:rPr lang="en-US"/>
               <a:t>Fifth level</a:t>
             </a:r>
-            <a:endParaRPr lang="en-US"/>
           </a:p>
         </p:txBody>
       </p:sp>
@@ -3085,7 +3184,7 @@
           <a:p>
             <a:fld id="{E69A4D3A-6EF8-7448-AC6F-AD52FEDAA6A8}" type="datetimeFigureOut">
               <a:rPr lang="en-US" smtClean="0"/>
-              <a:t>6/3/2015</a:t>
+              <a:t>2/22/2021</a:t>
             </a:fld>
             <a:endParaRPr lang="en-US" dirty="0"/>
           </a:p>
@@ -3179,10 +3278,9 @@
           <a:lstStyle/>
           <a:p>
             <a:r>
-              <a:rPr lang="en-US" smtClean="0"/>
+              <a:rPr lang="en-US"/>
               <a:t>Click to edit Master title style</a:t>
             </a:r>
-            <a:endParaRPr lang="en-US"/>
           </a:p>
         </p:txBody>
       </p:sp>
@@ -3203,38 +3301,37 @@
           <a:p>
             <a:pPr lvl="0"/>
             <a:r>
-              <a:rPr lang="en-US" smtClean="0"/>
+              <a:rPr lang="en-US"/>
               <a:t>Click to edit Master text styles</a:t>
             </a:r>
           </a:p>
           <a:p>
             <a:pPr lvl="1"/>
             <a:r>
-              <a:rPr lang="en-US" smtClean="0"/>
+              <a:rPr lang="en-US"/>
               <a:t>Second level</a:t>
             </a:r>
           </a:p>
           <a:p>
             <a:pPr lvl="2"/>
             <a:r>
-              <a:rPr lang="en-US" smtClean="0"/>
+              <a:rPr lang="en-US"/>
               <a:t>Third level</a:t>
             </a:r>
           </a:p>
           <a:p>
             <a:pPr lvl="3"/>
             <a:r>
-              <a:rPr lang="en-US" smtClean="0"/>
+              <a:rPr lang="en-US"/>
               <a:t>Fourth level</a:t>
             </a:r>
           </a:p>
           <a:p>
             <a:pPr lvl="4"/>
             <a:r>
-              <a:rPr lang="en-US" smtClean="0"/>
+              <a:rPr lang="en-US"/>
               <a:t>Fifth level</a:t>
             </a:r>
-            <a:endParaRPr lang="en-US"/>
           </a:p>
         </p:txBody>
       </p:sp>
@@ -3255,7 +3352,7 @@
           <a:p>
             <a:fld id="{E69A4D3A-6EF8-7448-AC6F-AD52FEDAA6A8}" type="datetimeFigureOut">
               <a:rPr lang="en-US" smtClean="0"/>
-              <a:t>6/3/2015</a:t>
+              <a:t>2/22/2021</a:t>
             </a:fld>
             <a:endParaRPr lang="en-US" dirty="0"/>
           </a:p>
@@ -3358,10 +3455,9 @@
           </a:lstStyle>
           <a:p>
             <a:r>
-              <a:rPr lang="en-US" smtClean="0"/>
+              <a:rPr lang="en-US"/>
               <a:t>Click to edit Master title style</a:t>
             </a:r>
-            <a:endParaRPr lang="en-US"/>
           </a:p>
         </p:txBody>
       </p:sp>
@@ -3478,7 +3574,7 @@
           <a:p>
             <a:pPr lvl="0"/>
             <a:r>
-              <a:rPr lang="en-US" smtClean="0"/>
+              <a:rPr lang="en-US"/>
               <a:t>Click to edit Master text styles</a:t>
             </a:r>
           </a:p>
@@ -3501,7 +3597,7 @@
           <a:p>
             <a:fld id="{E69A4D3A-6EF8-7448-AC6F-AD52FEDAA6A8}" type="datetimeFigureOut">
               <a:rPr lang="en-US" smtClean="0"/>
-              <a:t>6/3/2015</a:t>
+              <a:t>2/22/2021</a:t>
             </a:fld>
             <a:endParaRPr lang="en-US" dirty="0"/>
           </a:p>
@@ -3595,10 +3691,9 @@
           <a:lstStyle/>
           <a:p>
             <a:r>
-              <a:rPr lang="en-US" smtClean="0"/>
+              <a:rPr lang="en-US"/>
               <a:t>Click to edit Master title style</a:t>
             </a:r>
-            <a:endParaRPr lang="en-US"/>
           </a:p>
         </p:txBody>
       </p:sp>
@@ -3652,38 +3747,37 @@
           <a:p>
             <a:pPr lvl="0"/>
             <a:r>
-              <a:rPr lang="en-US" smtClean="0"/>
+              <a:rPr lang="en-US"/>
               <a:t>Click to edit Master text styles</a:t>
             </a:r>
           </a:p>
           <a:p>
             <a:pPr lvl="1"/>
             <a:r>
-              <a:rPr lang="en-US" smtClean="0"/>
+              <a:rPr lang="en-US"/>
               <a:t>Second level</a:t>
             </a:r>
           </a:p>
           <a:p>
             <a:pPr lvl="2"/>
             <a:r>
-              <a:rPr lang="en-US" smtClean="0"/>
+              <a:rPr lang="en-US"/>
               <a:t>Third level</a:t>
             </a:r>
           </a:p>
           <a:p>
             <a:pPr lvl="3"/>
             <a:r>
-              <a:rPr lang="en-US" smtClean="0"/>
+              <a:rPr lang="en-US"/>
               <a:t>Fourth level</a:t>
             </a:r>
           </a:p>
           <a:p>
             <a:pPr lvl="4"/>
             <a:r>
-              <a:rPr lang="en-US" smtClean="0"/>
+              <a:rPr lang="en-US"/>
               <a:t>Fifth level</a:t>
             </a:r>
-            <a:endParaRPr lang="en-US"/>
           </a:p>
         </p:txBody>
       </p:sp>
@@ -3737,38 +3831,37 @@
           <a:p>
             <a:pPr lvl="0"/>
             <a:r>
-              <a:rPr lang="en-US" smtClean="0"/>
+              <a:rPr lang="en-US"/>
               <a:t>Click to edit Master text styles</a:t>
             </a:r>
           </a:p>
           <a:p>
             <a:pPr lvl="1"/>
             <a:r>
-              <a:rPr lang="en-US" smtClean="0"/>
+              <a:rPr lang="en-US"/>
               <a:t>Second level</a:t>
             </a:r>
           </a:p>
           <a:p>
             <a:pPr lvl="2"/>
             <a:r>
-              <a:rPr lang="en-US" smtClean="0"/>
+              <a:rPr lang="en-US"/>
               <a:t>Third level</a:t>
             </a:r>
           </a:p>
           <a:p>
             <a:pPr lvl="3"/>
             <a:r>
-              <a:rPr lang="en-US" smtClean="0"/>
+              <a:rPr lang="en-US"/>
               <a:t>Fourth level</a:t>
             </a:r>
           </a:p>
           <a:p>
             <a:pPr lvl="4"/>
             <a:r>
-              <a:rPr lang="en-US" smtClean="0"/>
+              <a:rPr lang="en-US"/>
               <a:t>Fifth level</a:t>
             </a:r>
-            <a:endParaRPr lang="en-US"/>
           </a:p>
         </p:txBody>
       </p:sp>
@@ -3789,7 +3882,7 @@
           <a:p>
             <a:fld id="{E69A4D3A-6EF8-7448-AC6F-AD52FEDAA6A8}" type="datetimeFigureOut">
               <a:rPr lang="en-US" smtClean="0"/>
-              <a:t>6/3/2015</a:t>
+              <a:t>2/22/2021</a:t>
             </a:fld>
             <a:endParaRPr lang="en-US" dirty="0"/>
           </a:p>
@@ -3887,10 +3980,9 @@
           </a:lstStyle>
           <a:p>
             <a:r>
-              <a:rPr lang="en-US" smtClean="0"/>
+              <a:rPr lang="en-US"/>
               <a:t>Click to edit Master title style</a:t>
             </a:r>
-            <a:endParaRPr lang="en-US"/>
           </a:p>
         </p:txBody>
       </p:sp>
@@ -3953,7 +4045,7 @@
           <a:p>
             <a:pPr lvl="0"/>
             <a:r>
-              <a:rPr lang="en-US" smtClean="0"/>
+              <a:rPr lang="en-US"/>
               <a:t>Click to edit Master text styles</a:t>
             </a:r>
           </a:p>
@@ -4009,38 +4101,37 @@
           <a:p>
             <a:pPr lvl="0"/>
             <a:r>
-              <a:rPr lang="en-US" smtClean="0"/>
+              <a:rPr lang="en-US"/>
               <a:t>Click to edit Master text styles</a:t>
             </a:r>
           </a:p>
           <a:p>
             <a:pPr lvl="1"/>
             <a:r>
-              <a:rPr lang="en-US" smtClean="0"/>
+              <a:rPr lang="en-US"/>
               <a:t>Second level</a:t>
             </a:r>
           </a:p>
           <a:p>
             <a:pPr lvl="2"/>
             <a:r>
-              <a:rPr lang="en-US" smtClean="0"/>
+              <a:rPr lang="en-US"/>
               <a:t>Third level</a:t>
             </a:r>
           </a:p>
           <a:p>
             <a:pPr lvl="3"/>
             <a:r>
-              <a:rPr lang="en-US" smtClean="0"/>
+              <a:rPr lang="en-US"/>
               <a:t>Fourth level</a:t>
             </a:r>
           </a:p>
           <a:p>
             <a:pPr lvl="4"/>
             <a:r>
-              <a:rPr lang="en-US" smtClean="0"/>
+              <a:rPr lang="en-US"/>
               <a:t>Fifth level</a:t>
             </a:r>
-            <a:endParaRPr lang="en-US"/>
           </a:p>
         </p:txBody>
       </p:sp>
@@ -4103,7 +4194,7 @@
           <a:p>
             <a:pPr lvl="0"/>
             <a:r>
-              <a:rPr lang="en-US" smtClean="0"/>
+              <a:rPr lang="en-US"/>
               <a:t>Click to edit Master text styles</a:t>
             </a:r>
           </a:p>
@@ -4159,38 +4250,37 @@
           <a:p>
             <a:pPr lvl="0"/>
             <a:r>
-              <a:rPr lang="en-US" smtClean="0"/>
+              <a:rPr lang="en-US"/>
               <a:t>Click to edit Master text styles</a:t>
             </a:r>
           </a:p>
           <a:p>
             <a:pPr lvl="1"/>
             <a:r>
-              <a:rPr lang="en-US" smtClean="0"/>
+              <a:rPr lang="en-US"/>
               <a:t>Second level</a:t>
             </a:r>
           </a:p>
           <a:p>
             <a:pPr lvl="2"/>
             <a:r>
-              <a:rPr lang="en-US" smtClean="0"/>
+              <a:rPr lang="en-US"/>
               <a:t>Third level</a:t>
             </a:r>
           </a:p>
           <a:p>
             <a:pPr lvl="3"/>
             <a:r>
-              <a:rPr lang="en-US" smtClean="0"/>
+              <a:rPr lang="en-US"/>
               <a:t>Fourth level</a:t>
             </a:r>
           </a:p>
           <a:p>
             <a:pPr lvl="4"/>
             <a:r>
-              <a:rPr lang="en-US" smtClean="0"/>
+              <a:rPr lang="en-US"/>
               <a:t>Fifth level</a:t>
             </a:r>
-            <a:endParaRPr lang="en-US"/>
           </a:p>
         </p:txBody>
       </p:sp>
@@ -4211,7 +4301,7 @@
           <a:p>
             <a:fld id="{E69A4D3A-6EF8-7448-AC6F-AD52FEDAA6A8}" type="datetimeFigureOut">
               <a:rPr lang="en-US" smtClean="0"/>
-              <a:t>6/3/2015</a:t>
+              <a:t>2/22/2021</a:t>
             </a:fld>
             <a:endParaRPr lang="en-US" dirty="0"/>
           </a:p>
@@ -4305,10 +4395,9 @@
           <a:lstStyle/>
           <a:p>
             <a:r>
-              <a:rPr lang="en-US" smtClean="0"/>
+              <a:rPr lang="en-US"/>
               <a:t>Click to edit Master title style</a:t>
             </a:r>
-            <a:endParaRPr lang="en-US"/>
           </a:p>
         </p:txBody>
       </p:sp>
@@ -4329,7 +4418,7 @@
           <a:p>
             <a:fld id="{E69A4D3A-6EF8-7448-AC6F-AD52FEDAA6A8}" type="datetimeFigureOut">
               <a:rPr lang="en-US" smtClean="0"/>
-              <a:t>6/3/2015</a:t>
+              <a:t>2/22/2021</a:t>
             </a:fld>
             <a:endParaRPr lang="en-US" dirty="0"/>
           </a:p>
@@ -4424,7 +4513,7 @@
           <a:p>
             <a:fld id="{E69A4D3A-6EF8-7448-AC6F-AD52FEDAA6A8}" type="datetimeFigureOut">
               <a:rPr lang="en-US" smtClean="0"/>
-              <a:t>6/3/2015</a:t>
+              <a:t>2/22/2021</a:t>
             </a:fld>
             <a:endParaRPr lang="en-US" dirty="0"/>
           </a:p>
@@ -4527,10 +4616,9 @@
           </a:lstStyle>
           <a:p>
             <a:r>
-              <a:rPr lang="en-US" smtClean="0"/>
+              <a:rPr lang="en-US"/>
               <a:t>Click to edit Master title style</a:t>
             </a:r>
-            <a:endParaRPr lang="en-US"/>
           </a:p>
         </p:txBody>
       </p:sp>
@@ -4584,38 +4672,37 @@
           <a:p>
             <a:pPr lvl="0"/>
             <a:r>
-              <a:rPr lang="en-US" smtClean="0"/>
+              <a:rPr lang="en-US"/>
               <a:t>Click to edit Master text styles</a:t>
             </a:r>
           </a:p>
           <a:p>
             <a:pPr lvl="1"/>
             <a:r>
-              <a:rPr lang="en-US" smtClean="0"/>
+              <a:rPr lang="en-US"/>
               <a:t>Second level</a:t>
             </a:r>
           </a:p>
           <a:p>
             <a:pPr lvl="2"/>
             <a:r>
-              <a:rPr lang="en-US" smtClean="0"/>
+              <a:rPr lang="en-US"/>
               <a:t>Third level</a:t>
             </a:r>
           </a:p>
           <a:p>
             <a:pPr lvl="3"/>
             <a:r>
-              <a:rPr lang="en-US" smtClean="0"/>
+              <a:rPr lang="en-US"/>
               <a:t>Fourth level</a:t>
             </a:r>
           </a:p>
           <a:p>
             <a:pPr lvl="4"/>
             <a:r>
-              <a:rPr lang="en-US" smtClean="0"/>
+              <a:rPr lang="en-US"/>
               <a:t>Fifth level</a:t>
             </a:r>
-            <a:endParaRPr lang="en-US"/>
           </a:p>
         </p:txBody>
       </p:sp>
@@ -4678,7 +4765,7 @@
           <a:p>
             <a:pPr lvl="0"/>
             <a:r>
-              <a:rPr lang="en-US" smtClean="0"/>
+              <a:rPr lang="en-US"/>
               <a:t>Click to edit Master text styles</a:t>
             </a:r>
           </a:p>
@@ -4701,7 +4788,7 @@
           <a:p>
             <a:fld id="{E69A4D3A-6EF8-7448-AC6F-AD52FEDAA6A8}" type="datetimeFigureOut">
               <a:rPr lang="en-US" smtClean="0"/>
-              <a:t>6/3/2015</a:t>
+              <a:t>2/22/2021</a:t>
             </a:fld>
             <a:endParaRPr lang="en-US" dirty="0"/>
           </a:p>
@@ -4804,10 +4891,9 @@
           </a:lstStyle>
           <a:p>
             <a:r>
-              <a:rPr lang="en-US" smtClean="0"/>
+              <a:rPr lang="en-US"/>
               <a:t>Click to edit Master title style</a:t>
             </a:r>
-            <a:endParaRPr lang="en-US"/>
           </a:p>
         </p:txBody>
       </p:sp>
@@ -4869,10 +4955,9 @@
           </a:lstStyle>
           <a:p>
             <a:r>
-              <a:rPr lang="en-US" dirty="0" smtClean="0"/>
+              <a:rPr lang="en-US" dirty="0"/>
               <a:t>Drag picture to placeholder or click icon to add</a:t>
             </a:r>
-            <a:endParaRPr lang="en-US" dirty="0"/>
           </a:p>
         </p:txBody>
       </p:sp>
@@ -4935,7 +5020,7 @@
           <a:p>
             <a:pPr lvl="0"/>
             <a:r>
-              <a:rPr lang="en-US" smtClean="0"/>
+              <a:rPr lang="en-US"/>
               <a:t>Click to edit Master text styles</a:t>
             </a:r>
           </a:p>
@@ -4958,7 +5043,7 @@
           <a:p>
             <a:fld id="{E69A4D3A-6EF8-7448-AC6F-AD52FEDAA6A8}" type="datetimeFigureOut">
               <a:rPr lang="en-US" smtClean="0"/>
-              <a:t>6/3/2015</a:t>
+              <a:t>2/22/2021</a:t>
             </a:fld>
             <a:endParaRPr lang="en-US" dirty="0"/>
           </a:p>
@@ -5072,10 +5157,9 @@
           <a:lstStyle/>
           <a:p>
             <a:r>
-              <a:rPr lang="en-US" smtClean="0"/>
+              <a:rPr lang="en-US"/>
               <a:t>Click to edit Master title style</a:t>
             </a:r>
-            <a:endParaRPr lang="en-US"/>
           </a:p>
         </p:txBody>
       </p:sp>
@@ -5106,38 +5190,37 @@
           <a:p>
             <a:pPr lvl="0"/>
             <a:r>
-              <a:rPr lang="en-US" smtClean="0"/>
+              <a:rPr lang="en-US"/>
               <a:t>Click to edit Master text styles</a:t>
             </a:r>
           </a:p>
           <a:p>
             <a:pPr lvl="1"/>
             <a:r>
-              <a:rPr lang="en-US" smtClean="0"/>
+              <a:rPr lang="en-US"/>
               <a:t>Second level</a:t>
             </a:r>
           </a:p>
           <a:p>
             <a:pPr lvl="2"/>
             <a:r>
-              <a:rPr lang="en-US" smtClean="0"/>
+              <a:rPr lang="en-US"/>
               <a:t>Third level</a:t>
             </a:r>
           </a:p>
           <a:p>
             <a:pPr lvl="3"/>
             <a:r>
-              <a:rPr lang="en-US" smtClean="0"/>
+              <a:rPr lang="en-US"/>
               <a:t>Fourth level</a:t>
             </a:r>
           </a:p>
           <a:p>
             <a:pPr lvl="4"/>
             <a:r>
-              <a:rPr lang="en-US" smtClean="0"/>
+              <a:rPr lang="en-US"/>
               <a:t>Fifth level</a:t>
             </a:r>
-            <a:endParaRPr lang="en-US"/>
           </a:p>
         </p:txBody>
       </p:sp>
@@ -5176,7 +5259,7 @@
           <a:p>
             <a:fld id="{E69A4D3A-6EF8-7448-AC6F-AD52FEDAA6A8}" type="datetimeFigureOut">
               <a:rPr lang="en-US" smtClean="0"/>
-              <a:t>6/3/2015</a:t>
+              <a:t>2/22/2021</a:t>
             </a:fld>
             <a:endParaRPr lang="en-US" dirty="0"/>
           </a:p>
@@ -5574,41 +5657,20 @@
           <a:lstStyle/>
           <a:p>
             <a:r>
-              <a:rPr lang="en-US" sz="2700" dirty="0" smtClean="0">
+              <a:rPr lang="en-US" sz="2700" dirty="0">
                 <a:solidFill>
                   <a:srgbClr val="FF0000"/>
                 </a:solidFill>
               </a:rPr>
-              <a:t>Task 1 </a:t>
-            </a:r>
-            <a:r>
-              <a:rPr lang="en-US" sz="2700" dirty="0">
-                <a:solidFill>
-                  <a:srgbClr val="FF0000"/>
-                </a:solidFill>
-              </a:rPr>
-              <a:t>out of </a:t>
-            </a:r>
-            <a:r>
-              <a:rPr lang="en-US" sz="2700" dirty="0" smtClean="0">
-                <a:solidFill>
-                  <a:srgbClr val="FF0000"/>
-                </a:solidFill>
-              </a:rPr>
-              <a:t>3</a:t>
-            </a:r>
-            <a:r>
-              <a:rPr lang="en-US" sz="5400" dirty="0" smtClean="0"/>
-              <a:t/>
+              <a:t>Task 1 out of 3</a:t>
             </a:r>
             <a:br>
-              <a:rPr lang="en-US" sz="5400" dirty="0" smtClean="0"/>
+              <a:rPr lang="en-US" sz="5400" dirty="0"/>
             </a:br>
             <a:r>
-              <a:rPr lang="en-US" sz="5400" dirty="0" smtClean="0"/>
+              <a:rPr lang="en-US" sz="5400" dirty="0"/>
               <a:t>Runway Task</a:t>
             </a:r>
-            <a:endParaRPr lang="en-US" sz="5400" dirty="0"/>
           </a:p>
         </p:txBody>
       </p:sp>
@@ -5790,7 +5852,7 @@
           </a:lstStyle>
           <a:p>
             <a:r>
-              <a:rPr lang="en-US" sz="1600" dirty="0" smtClean="0">
+              <a:rPr lang="en-US" sz="1600" dirty="0">
                 <a:solidFill>
                   <a:schemeClr val="bg2">
                     <a:lumMod val="20000"/>
@@ -5800,14 +5862,6 @@
               </a:rPr>
               <a:t>TRIGGER</a:t>
             </a:r>
-            <a:endParaRPr lang="en-US" sz="1600" dirty="0">
-              <a:solidFill>
-                <a:schemeClr val="bg2">
-                  <a:lumMod val="20000"/>
-                  <a:lumOff val="80000"/>
-                </a:schemeClr>
-              </a:solidFill>
-            </a:endParaRPr>
           </a:p>
         </p:txBody>
       </p:sp>
@@ -5888,34 +5942,13 @@
           </a:lstStyle>
           <a:p>
             <a:r>
-              <a:rPr lang="en-US" sz="3000" dirty="0" smtClean="0">
+              <a:rPr lang="en-US" sz="3000" dirty="0">
                 <a:solidFill>
                   <a:srgbClr val="FF0000"/>
                 </a:solidFill>
               </a:rPr>
-              <a:t>PRESS THE </a:t>
-            </a:r>
-            <a:r>
-              <a:rPr lang="en-US" sz="3000" dirty="0">
-                <a:solidFill>
-                  <a:srgbClr val="FF0000"/>
-                </a:solidFill>
-              </a:rPr>
-              <a:t>TRIGGER BUTTON </a:t>
-            </a:r>
-            <a:r>
-              <a:rPr lang="en-US" sz="3000" dirty="0" smtClean="0">
-                <a:solidFill>
-                  <a:srgbClr val="FF0000"/>
-                </a:solidFill>
-              </a:rPr>
-              <a:t>TO CONTINUE</a:t>
-            </a:r>
-            <a:endParaRPr lang="en-US" sz="3000" dirty="0">
-              <a:solidFill>
-                <a:srgbClr val="FF0000"/>
-              </a:solidFill>
-            </a:endParaRPr>
+              <a:t>PRESS THE TRIGGER BUTTON TO CONTINUE</a:t>
+            </a:r>
           </a:p>
         </p:txBody>
       </p:sp>
@@ -5985,10 +6018,9 @@
             <a:lstStyle/>
             <a:p>
               <a:r>
-                <a:rPr lang="en-US" b="1" dirty="0" smtClean="0"/>
+                <a:rPr lang="en-US" b="1" dirty="0"/>
                 <a:t>Top Button</a:t>
               </a:r>
-              <a:endParaRPr lang="en-US" b="1" dirty="0"/>
             </a:p>
           </p:txBody>
         </p:sp>
@@ -6020,10 +6052,9 @@
             <a:lstStyle/>
             <a:p>
               <a:r>
-                <a:rPr lang="en-US" b="1" dirty="0" smtClean="0"/>
+                <a:rPr lang="en-US" b="1" dirty="0"/>
                 <a:t>Trigger Button</a:t>
               </a:r>
-              <a:endParaRPr lang="en-US" b="1" dirty="0"/>
             </a:p>
           </p:txBody>
         </p:sp>
@@ -6110,13 +6141,6 @@
   <p:clrMapOvr>
     <a:masterClrMapping/>
   </p:clrMapOvr>
-  <p:timing>
-    <p:tnLst>
-      <p:par>
-        <p:cTn id="1" dur="indefinite" restart="never" nodeType="tmRoot"/>
-      </p:par>
-    </p:tnLst>
-  </p:timing>
 </p:sld>
 </file>
 
@@ -6178,13 +6202,6 @@
               </a:rPr>
               <a:t>You will have 4 seconds to move the </a:t>
             </a:r>
-            <a:endParaRPr lang="en-US" sz="2600" u="sng" dirty="0" smtClean="0">
-              <a:solidFill>
-                <a:srgbClr val="FFFF66"/>
-              </a:solidFill>
-              <a:ea typeface="Calibri"/>
-              <a:cs typeface="Times New Roman"/>
-            </a:endParaRPr>
           </a:p>
           <a:p>
             <a:pPr marL="0" marR="0" indent="0" algn="ctr">
@@ -6204,35 +6221,8 @@
                 <a:ea typeface="Calibri"/>
                 <a:cs typeface="Times New Roman"/>
               </a:rPr>
-              <a:t>f</a:t>
-            </a:r>
-            <a:r>
-              <a:rPr lang="en-US" sz="2600" u="sng" dirty="0" smtClean="0">
-                <a:solidFill>
-                  <a:srgbClr val="FFFF66"/>
-                </a:solidFill>
-                <a:ea typeface="Calibri"/>
-                <a:cs typeface="Times New Roman"/>
-              </a:rPr>
-              <a:t>igure to </a:t>
-            </a:r>
-            <a:r>
-              <a:rPr lang="en-US" sz="2600" u="sng" dirty="0">
-                <a:solidFill>
-                  <a:srgbClr val="FFFF66"/>
-                </a:solidFill>
-                <a:ea typeface="Calibri"/>
-                <a:cs typeface="Times New Roman"/>
-              </a:rPr>
-              <a:t>the location you want it. </a:t>
-            </a:r>
-            <a:endParaRPr lang="en-US" sz="2600" u="sng" dirty="0" smtClean="0">
-              <a:solidFill>
-                <a:srgbClr val="FFFF66"/>
-              </a:solidFill>
-              <a:ea typeface="Calibri"/>
-              <a:cs typeface="Times New Roman"/>
-            </a:endParaRPr>
+              <a:t>figure to the location you want it. </a:t>
+            </a:r>
           </a:p>
           <a:p>
             <a:pPr marL="0" marR="0" indent="0" algn="ctr">
@@ -6260,23 +6250,12 @@
               <a:buNone/>
             </a:pPr>
             <a:r>
-              <a:rPr lang="en-US" sz="2600" dirty="0" smtClean="0">
-                <a:ea typeface="Calibri"/>
-                <a:cs typeface="Times New Roman"/>
-              </a:rPr>
-              <a:t>Be </a:t>
-            </a:r>
-            <a:r>
               <a:rPr lang="en-US" sz="2600" dirty="0">
                 <a:ea typeface="Calibri"/>
                 <a:cs typeface="Times New Roman"/>
               </a:rPr>
-              <a:t>prepared that the figure may start out in different positions; </a:t>
-            </a:r>
-            <a:endParaRPr lang="en-US" sz="2600" dirty="0" smtClean="0">
-              <a:ea typeface="Calibri"/>
-              <a:cs typeface="Times New Roman"/>
-            </a:endParaRPr>
+              <a:t>Be prepared that the figure may start out in different positions; </a:t>
+            </a:r>
           </a:p>
           <a:p>
             <a:pPr marL="0" marR="0" indent="0" algn="ctr">
@@ -6288,26 +6267,12 @@
               </a:spcAft>
               <a:buNone/>
             </a:pPr>
-            <a:r>
-              <a:rPr lang="en-US" sz="2600" dirty="0" smtClean="0">
-                <a:ea typeface="Calibri"/>
-                <a:cs typeface="Times New Roman"/>
-              </a:rPr>
-              <a:t>it </a:t>
-            </a:r>
             <a:r>
               <a:rPr lang="en-US" sz="2600" dirty="0">
                 <a:ea typeface="Calibri"/>
                 <a:cs typeface="Times New Roman"/>
               </a:rPr>
-              <a:t>may sometimes start in the middle of the runway</a:t>
-            </a:r>
-            <a:r>
-              <a:rPr lang="en-US" sz="2600" dirty="0" smtClean="0">
-                <a:ea typeface="Calibri"/>
-                <a:cs typeface="Times New Roman"/>
-              </a:rPr>
-              <a:t>,</a:t>
+              <a:t>it may sometimes start in the middle of the runway,</a:t>
             </a:r>
           </a:p>
           <a:p>
@@ -6320,38 +6285,13 @@
               </a:spcAft>
               <a:buNone/>
             </a:pPr>
-            <a:r>
-              <a:rPr lang="en-US" sz="2600" dirty="0" smtClean="0">
-                <a:ea typeface="Calibri"/>
-                <a:cs typeface="Times New Roman"/>
-              </a:rPr>
-              <a:t> </a:t>
-            </a:r>
             <a:r>
               <a:rPr lang="en-US" sz="2600" dirty="0">
                 <a:ea typeface="Calibri"/>
                 <a:cs typeface="Times New Roman"/>
               </a:rPr>
-              <a:t>while at other times, it may start </a:t>
-            </a:r>
-            <a:r>
-              <a:rPr lang="en-US" sz="2600" dirty="0" smtClean="0">
-                <a:ea typeface="Calibri"/>
-                <a:cs typeface="Times New Roman"/>
-              </a:rPr>
-              <a:t>all the way </a:t>
-            </a:r>
-            <a:r>
-              <a:rPr lang="en-US" sz="2600" dirty="0">
-                <a:ea typeface="Calibri"/>
-                <a:cs typeface="Times New Roman"/>
-              </a:rPr>
-              <a:t>to one side. </a:t>
-            </a:r>
-            <a:endParaRPr lang="en-US" sz="2600" dirty="0" smtClean="0">
-              <a:ea typeface="Calibri"/>
-              <a:cs typeface="Times New Roman"/>
-            </a:endParaRPr>
+              <a:t> while at other times, it may start all the way to one side. </a:t>
+            </a:r>
           </a:p>
           <a:p>
             <a:pPr marL="0" marR="0" indent="0" algn="ctr">
@@ -6379,23 +6319,12 @@
               <a:buNone/>
             </a:pPr>
             <a:r>
-              <a:rPr lang="en-US" sz="2600" dirty="0" smtClean="0">
-                <a:ea typeface="Calibri"/>
-                <a:cs typeface="Times New Roman"/>
-              </a:rPr>
-              <a:t>No </a:t>
-            </a:r>
-            <a:r>
               <a:rPr lang="en-US" sz="2600" dirty="0">
                 <a:ea typeface="Calibri"/>
                 <a:cs typeface="Times New Roman"/>
               </a:rPr>
-              <a:t>matter what, you still only have 4 seconds </a:t>
-            </a:r>
-            <a:endParaRPr lang="en-US" sz="2600" dirty="0" smtClean="0">
-              <a:ea typeface="Calibri"/>
-              <a:cs typeface="Times New Roman"/>
-            </a:endParaRPr>
+              <a:t>No matter what, you still only have 4 seconds </a:t>
+            </a:r>
           </a:p>
           <a:p>
             <a:pPr marL="0" marR="0" indent="0" algn="ctr">
@@ -6407,58 +6336,26 @@
               </a:spcAft>
               <a:buNone/>
             </a:pPr>
-            <a:r>
-              <a:rPr lang="en-US" sz="2600" dirty="0" smtClean="0">
-                <a:ea typeface="Calibri"/>
-                <a:cs typeface="Times New Roman"/>
-              </a:rPr>
-              <a:t>to </a:t>
-            </a:r>
             <a:r>
               <a:rPr lang="en-US" sz="2600" dirty="0">
                 <a:ea typeface="Calibri"/>
                 <a:cs typeface="Times New Roman"/>
               </a:rPr>
-              <a:t>move the figure to the </a:t>
-            </a:r>
-            <a:r>
-              <a:rPr lang="en-US" sz="2600" dirty="0" smtClean="0">
-                <a:ea typeface="Calibri"/>
-                <a:cs typeface="Times New Roman"/>
-              </a:rPr>
-              <a:t>location where </a:t>
-            </a:r>
+              <a:t>to move the figure to the location where you want it.</a:t>
+            </a:r>
+          </a:p>
+          <a:p>
+            <a:pPr marL="0" marR="0" indent="0" algn="ctr">
+              <a:spcBef>
+                <a:spcPts val="0"/>
+              </a:spcBef>
+              <a:spcAft>
+                <a:spcPts val="0"/>
+              </a:spcAft>
+              <a:buNone/>
+            </a:pPr>
             <a:r>
               <a:rPr lang="en-US" sz="2600" dirty="0">
-                <a:ea typeface="Calibri"/>
-                <a:cs typeface="Times New Roman"/>
-              </a:rPr>
-              <a:t>you want </a:t>
-            </a:r>
-            <a:r>
-              <a:rPr lang="en-US" sz="2600" dirty="0" smtClean="0">
-                <a:ea typeface="Calibri"/>
-                <a:cs typeface="Times New Roman"/>
-              </a:rPr>
-              <a:t>it.</a:t>
-            </a:r>
-            <a:endParaRPr lang="en-US" sz="2600" dirty="0" smtClean="0">
-              <a:ea typeface="Calibri"/>
-              <a:cs typeface="Times New Roman"/>
-            </a:endParaRPr>
-          </a:p>
-          <a:p>
-            <a:pPr marL="0" marR="0" indent="0" algn="ctr">
-              <a:spcBef>
-                <a:spcPts val="0"/>
-              </a:spcBef>
-              <a:spcAft>
-                <a:spcPts val="0"/>
-              </a:spcAft>
-              <a:buNone/>
-            </a:pPr>
-            <a:r>
-              <a:rPr lang="en-US" sz="2600" dirty="0" smtClean="0">
                 <a:ea typeface="Calibri"/>
                 <a:cs typeface="Times New Roman"/>
               </a:rPr>
@@ -6660,7 +6557,7 @@
           </a:lstStyle>
           <a:p>
             <a:r>
-              <a:rPr lang="en-US" sz="1600" dirty="0" smtClean="0">
+              <a:rPr lang="en-US" sz="1600" dirty="0">
                 <a:solidFill>
                   <a:schemeClr val="bg2">
                     <a:lumMod val="20000"/>
@@ -6670,14 +6567,6 @@
               </a:rPr>
               <a:t>TOP</a:t>
             </a:r>
-            <a:endParaRPr lang="en-US" sz="1600" dirty="0">
-              <a:solidFill>
-                <a:schemeClr val="bg2">
-                  <a:lumMod val="20000"/>
-                  <a:lumOff val="80000"/>
-                </a:schemeClr>
-              </a:solidFill>
-            </a:endParaRPr>
           </a:p>
         </p:txBody>
       </p:sp>
@@ -6897,7 +6786,7 @@
           </a:lstStyle>
           <a:p>
             <a:r>
-              <a:rPr lang="en-US" sz="1600" dirty="0" smtClean="0">
+              <a:rPr lang="en-US" sz="1600" dirty="0">
                 <a:solidFill>
                   <a:schemeClr val="bg2">
                     <a:lumMod val="20000"/>
@@ -6907,14 +6796,6 @@
               </a:rPr>
               <a:t>TRIGGER</a:t>
             </a:r>
-            <a:endParaRPr lang="en-US" sz="1600" dirty="0">
-              <a:solidFill>
-                <a:schemeClr val="bg2">
-                  <a:lumMod val="20000"/>
-                  <a:lumOff val="80000"/>
-                </a:schemeClr>
-              </a:solidFill>
-            </a:endParaRPr>
           </a:p>
         </p:txBody>
       </p:sp>
@@ -6995,34 +6876,13 @@
           </a:lstStyle>
           <a:p>
             <a:r>
-              <a:rPr lang="en-US" sz="3000" dirty="0" smtClean="0">
+              <a:rPr lang="en-US" sz="3000" dirty="0">
                 <a:solidFill>
                   <a:srgbClr val="FF0000"/>
                 </a:solidFill>
               </a:rPr>
-              <a:t>PRESS THE </a:t>
-            </a:r>
-            <a:r>
-              <a:rPr lang="en-US" sz="3000" dirty="0">
-                <a:solidFill>
-                  <a:srgbClr val="FF0000"/>
-                </a:solidFill>
-              </a:rPr>
-              <a:t>TRIGGER BUTTON TO </a:t>
-            </a:r>
-            <a:r>
-              <a:rPr lang="en-US" sz="3000" dirty="0" smtClean="0">
-                <a:solidFill>
-                  <a:srgbClr val="FF0000"/>
-                </a:solidFill>
-              </a:rPr>
-              <a:t>CONTINUE</a:t>
-            </a:r>
-            <a:endParaRPr lang="en-US" sz="3000" dirty="0">
-              <a:solidFill>
-                <a:srgbClr val="FF0000"/>
-              </a:solidFill>
-            </a:endParaRPr>
+              <a:t>PRESS THE TRIGGER BUTTON TO CONTINUE</a:t>
+            </a:r>
           </a:p>
         </p:txBody>
       </p:sp>
@@ -7036,13 +6896,6 @@
   <p:clrMapOvr>
     <a:masterClrMapping/>
   </p:clrMapOvr>
-  <p:timing>
-    <p:tnLst>
-      <p:par>
-        <p:cTn id="1" dur="indefinite" restart="never" nodeType="tmRoot"/>
-      </p:par>
-    </p:tnLst>
-  </p:timing>
 </p:sld>
 </file>
 
@@ -7095,7 +6948,7 @@
               <a:buNone/>
             </a:pPr>
             <a:r>
-              <a:rPr lang="en-US" sz="2800" dirty="0" smtClean="0">
+              <a:rPr lang="en-US" sz="2800" dirty="0">
                 <a:ea typeface="Calibri"/>
                 <a:cs typeface="Times New Roman"/>
               </a:rPr>
@@ -7113,21 +6966,21 @@
               <a:buNone/>
             </a:pPr>
             <a:r>
-              <a:rPr lang="en-US" sz="2800" dirty="0" smtClean="0">
+              <a:rPr lang="en-US" sz="2800" dirty="0">
                 <a:ea typeface="Calibri"/>
                 <a:cs typeface="Times New Roman"/>
               </a:rPr>
               <a:t> </a:t>
             </a:r>
             <a:r>
-              <a:rPr lang="en-US" sz="2800" u="sng" dirty="0" smtClean="0">
+              <a:rPr lang="en-US" sz="2800" u="sng" dirty="0">
                 <a:ea typeface="Calibri"/>
                 <a:cs typeface="Times New Roman"/>
               </a:rPr>
               <a:t>lock in your answer using the trigger button</a:t>
             </a:r>
             <a:r>
-              <a:rPr lang="en-US" sz="2800" dirty="0" smtClean="0">
+              <a:rPr lang="en-US" sz="2800" dirty="0">
                 <a:ea typeface="Calibri"/>
                 <a:cs typeface="Times New Roman"/>
               </a:rPr>
@@ -7145,7 +6998,7 @@
               <a:buNone/>
             </a:pPr>
             <a:r>
-              <a:rPr lang="en-US" sz="2800" dirty="0" smtClean="0">
+              <a:rPr lang="en-US" sz="2800" dirty="0">
                 <a:ea typeface="Calibri"/>
                 <a:cs typeface="Times New Roman"/>
               </a:rPr>
@@ -7162,7 +7015,7 @@
               </a:spcAft>
               <a:buNone/>
             </a:pPr>
-            <a:endParaRPr lang="en-US" sz="2800" dirty="0" smtClean="0">
+            <a:endParaRPr lang="en-US" sz="2800" dirty="0">
               <a:ea typeface="Calibri"/>
               <a:cs typeface="Times New Roman"/>
             </a:endParaRPr>
@@ -7178,7 +7031,7 @@
               <a:buNone/>
             </a:pPr>
             <a:r>
-              <a:rPr lang="en-US" sz="2800" b="1" dirty="0" smtClean="0">
+              <a:rPr lang="en-US" sz="2800" b="1" dirty="0">
                 <a:ea typeface="Calibri"/>
                 <a:cs typeface="Times New Roman"/>
               </a:rPr>
@@ -7196,7 +7049,7 @@
               <a:buNone/>
             </a:pPr>
             <a:r>
-              <a:rPr lang="en-US" sz="2800" b="1" dirty="0" smtClean="0">
+              <a:rPr lang="en-US" sz="2800" b="1" dirty="0">
                 <a:ea typeface="Calibri"/>
                 <a:cs typeface="Times New Roman"/>
               </a:rPr>
@@ -7214,7 +7067,7 @@
               <a:buNone/>
             </a:pPr>
             <a:r>
-              <a:rPr lang="en-US" sz="2800" b="1" dirty="0" smtClean="0">
+              <a:rPr lang="en-US" sz="2800" b="1" dirty="0">
                 <a:ea typeface="Calibri"/>
                 <a:cs typeface="Times New Roman"/>
               </a:rPr>
@@ -7265,7 +7118,7 @@
               <a:buNone/>
             </a:pPr>
             <a:r>
-              <a:rPr lang="en-US" sz="2800" dirty="0" smtClean="0">
+              <a:rPr lang="en-US" sz="2800" dirty="0">
                 <a:ea typeface="Calibri"/>
                 <a:cs typeface="Times New Roman"/>
               </a:rPr>
@@ -7598,7 +7451,7 @@
           </a:lstStyle>
           <a:p>
             <a:r>
-              <a:rPr lang="en-US" sz="1600" dirty="0" smtClean="0">
+              <a:rPr lang="en-US" sz="1600" dirty="0">
                 <a:solidFill>
                   <a:schemeClr val="bg2">
                     <a:lumMod val="20000"/>
@@ -7608,14 +7461,6 @@
               </a:rPr>
               <a:t>TOP</a:t>
             </a:r>
-            <a:endParaRPr lang="en-US" sz="1600" dirty="0">
-              <a:solidFill>
-                <a:schemeClr val="bg2">
-                  <a:lumMod val="20000"/>
-                  <a:lumOff val="80000"/>
-                </a:schemeClr>
-              </a:solidFill>
-            </a:endParaRPr>
           </a:p>
         </p:txBody>
       </p:sp>
@@ -7835,7 +7680,7 @@
           </a:lstStyle>
           <a:p>
             <a:r>
-              <a:rPr lang="en-US" sz="1600" dirty="0" smtClean="0">
+              <a:rPr lang="en-US" sz="1600" dirty="0">
                 <a:solidFill>
                   <a:schemeClr val="bg2">
                     <a:lumMod val="20000"/>
@@ -7845,14 +7690,6 @@
               </a:rPr>
               <a:t>TRIGGER</a:t>
             </a:r>
-            <a:endParaRPr lang="en-US" sz="1600" dirty="0">
-              <a:solidFill>
-                <a:schemeClr val="bg2">
-                  <a:lumMod val="20000"/>
-                  <a:lumOff val="80000"/>
-                </a:schemeClr>
-              </a:solidFill>
-            </a:endParaRPr>
           </a:p>
         </p:txBody>
       </p:sp>
@@ -7933,18 +7770,13 @@
           </a:lstStyle>
           <a:p>
             <a:r>
-              <a:rPr lang="en-US" sz="3000" dirty="0" smtClean="0">
+              <a:rPr lang="en-US" sz="3000" dirty="0">
                 <a:solidFill>
                   <a:srgbClr val="FF0000"/>
                 </a:solidFill>
               </a:rPr>
               <a:t>PRESS THE TRIGGER BUTTON TO CONTINUE</a:t>
             </a:r>
-            <a:endParaRPr lang="en-US" sz="3000" dirty="0">
-              <a:solidFill>
-                <a:srgbClr val="FF0000"/>
-              </a:solidFill>
-            </a:endParaRPr>
           </a:p>
         </p:txBody>
       </p:sp>
@@ -7958,13 +7790,6 @@
   <p:clrMapOvr>
     <a:masterClrMapping/>
   </p:clrMapOvr>
-  <p:timing>
-    <p:tnLst>
-      <p:par>
-        <p:cTn id="1" dur="indefinite" restart="never" nodeType="tmRoot"/>
-      </p:par>
-    </p:tnLst>
-  </p:timing>
 </p:sld>
 </file>
 
@@ -8017,7 +7842,6 @@
               <a:rPr lang="en-US" sz="2800" dirty="0"/>
               <a:t>Again, for each trial we want you to place the figure in a way </a:t>
             </a:r>
-            <a:endParaRPr lang="en-US" sz="2800" dirty="0" smtClean="0"/>
           </a:p>
           <a:p>
             <a:pPr marL="0" indent="0" algn="ctr">
@@ -8027,14 +7851,9 @@
               <a:buNone/>
             </a:pPr>
             <a:r>
-              <a:rPr lang="en-US" sz="2800" dirty="0" smtClean="0"/>
-              <a:t>that </a:t>
-            </a:r>
-            <a:r>
               <a:rPr lang="en-US" sz="2800" dirty="0"/>
-              <a:t>indicates how much you want each of the 2 outcomes. </a:t>
-            </a:r>
-            <a:endParaRPr lang="en-US" sz="2800" dirty="0" smtClean="0"/>
+              <a:t>that indicates how much you want each of the 2 outcomes. </a:t>
+            </a:r>
           </a:p>
           <a:p>
             <a:pPr marL="0" indent="0" algn="ctr">
@@ -8053,16 +7872,8 @@
               <a:buNone/>
             </a:pPr>
             <a:r>
-              <a:rPr lang="en-US" sz="2800" dirty="0" smtClean="0"/>
-              <a:t>At </a:t>
-            </a:r>
-            <a:r>
               <a:rPr lang="en-US" sz="2800" dirty="0"/>
-              <a:t>the end of the task, you will see how </a:t>
-            </a:r>
-            <a:r>
-              <a:rPr lang="en-US" sz="2800" dirty="0" smtClean="0"/>
-              <a:t>much money</a:t>
+              <a:t>At the end of the task, you will see how much money</a:t>
             </a:r>
           </a:p>
           <a:p>
@@ -8074,11 +7885,7 @@
             </a:pPr>
             <a:r>
               <a:rPr lang="en-US" sz="2800" dirty="0"/>
-              <a:t>y</a:t>
-            </a:r>
-            <a:r>
-              <a:rPr lang="en-US" sz="2800" dirty="0" smtClean="0"/>
-              <a:t>ou’ve won.</a:t>
+              <a:t>you’ve won.</a:t>
             </a:r>
           </a:p>
           <a:p>
@@ -8105,11 +7912,6 @@
               </a:rPr>
               <a:t>It is completely up to you what decision you make on </a:t>
             </a:r>
-            <a:endParaRPr lang="en-US" sz="2800" dirty="0" smtClean="0">
-              <a:solidFill>
-                <a:srgbClr val="FFFF66"/>
-              </a:solidFill>
-            </a:endParaRPr>
           </a:p>
           <a:p>
             <a:pPr marL="0" indent="0" algn="ctr">
@@ -8119,26 +7921,17 @@
               <a:buNone/>
             </a:pPr>
             <a:r>
-              <a:rPr lang="en-US" sz="2800" dirty="0" smtClean="0">
+              <a:rPr lang="en-US" sz="2800" dirty="0">
                 <a:solidFill>
                   <a:srgbClr val="FFFF66"/>
                 </a:solidFill>
               </a:rPr>
-              <a:t>each </a:t>
-            </a:r>
-            <a:r>
-              <a:rPr lang="en-US" sz="2800" dirty="0">
-                <a:solidFill>
-                  <a:srgbClr val="FFFF66"/>
-                </a:solidFill>
-              </a:rPr>
-              <a:t>trial. </a:t>
+              <a:t>each trial. </a:t>
             </a:r>
             <a:r>
               <a:rPr lang="en-US" sz="2800" dirty="0"/>
               <a:t>So, on each trial, you should consider whether </a:t>
             </a:r>
-            <a:endParaRPr lang="en-US" sz="2800" dirty="0" smtClean="0"/>
           </a:p>
           <a:p>
             <a:pPr marL="0" indent="0" algn="ctr">
@@ -8148,56 +7941,31 @@
               <a:buNone/>
             </a:pPr>
             <a:r>
-              <a:rPr lang="en-US" sz="2800" dirty="0" smtClean="0"/>
-              <a:t>you </a:t>
-            </a:r>
-            <a:r>
               <a:rPr lang="en-US" sz="2800" dirty="0"/>
-              <a:t>want the </a:t>
-            </a:r>
-            <a:r>
-              <a:rPr lang="en-US" sz="2800" dirty="0" smtClean="0"/>
-              <a:t>money </a:t>
-            </a:r>
+              <a:t>you want the money that is offered or whether you would </a:t>
+            </a:r>
+          </a:p>
+          <a:p>
+            <a:pPr marL="0" indent="0" algn="ctr">
+              <a:spcBef>
+                <a:spcPts val="0"/>
+              </a:spcBef>
+              <a:buNone/>
+            </a:pPr>
             <a:r>
               <a:rPr lang="en-US" sz="2800" dirty="0"/>
-              <a:t>that </a:t>
-            </a:r>
-            <a:r>
-              <a:rPr lang="en-US" sz="2800" dirty="0" smtClean="0"/>
-              <a:t>is </a:t>
-            </a:r>
-            <a:r>
-              <a:rPr lang="en-US" sz="2800" dirty="0"/>
-              <a:t>offered or whether you would </a:t>
-            </a:r>
-            <a:endParaRPr lang="en-US" sz="2800" dirty="0" smtClean="0"/>
-          </a:p>
-          <a:p>
-            <a:pPr marL="0" indent="0" algn="ctr">
+              <a:t>rather view a positive picture. It is completely up to you. </a:t>
+            </a:r>
+          </a:p>
+          <a:p>
+            <a:pPr marL="0" marR="0" indent="0" algn="ctr">
               <a:spcBef>
                 <a:spcPts val="0"/>
               </a:spcBef>
               <a:buNone/>
             </a:pPr>
             <a:r>
-              <a:rPr lang="en-US" sz="2800" dirty="0" smtClean="0"/>
-              <a:t>rather </a:t>
-            </a:r>
-            <a:r>
-              <a:rPr lang="en-US" sz="2800" dirty="0"/>
-              <a:t>view a positive picture. It is completely up to you. </a:t>
-            </a:r>
-          </a:p>
-          <a:p>
-            <a:pPr marL="0" marR="0" indent="0" algn="ctr">
-              <a:spcBef>
-                <a:spcPts val="0"/>
-              </a:spcBef>
-              <a:buNone/>
-            </a:pPr>
-            <a:r>
-              <a:rPr lang="en-US" sz="2800" dirty="0" smtClean="0">
+              <a:rPr lang="en-US" sz="2800" dirty="0">
                 <a:ea typeface="Calibri"/>
                 <a:cs typeface="Times New Roman"/>
               </a:rPr>
@@ -8399,7 +8167,7 @@
           </a:lstStyle>
           <a:p>
             <a:r>
-              <a:rPr lang="en-US" sz="1600" dirty="0" smtClean="0">
+              <a:rPr lang="en-US" sz="1600" dirty="0">
                 <a:solidFill>
                   <a:schemeClr val="bg2">
                     <a:lumMod val="20000"/>
@@ -8409,14 +8177,6 @@
               </a:rPr>
               <a:t>TOP</a:t>
             </a:r>
-            <a:endParaRPr lang="en-US" sz="1600" dirty="0">
-              <a:solidFill>
-                <a:schemeClr val="bg2">
-                  <a:lumMod val="20000"/>
-                  <a:lumOff val="80000"/>
-                </a:schemeClr>
-              </a:solidFill>
-            </a:endParaRPr>
           </a:p>
         </p:txBody>
       </p:sp>
@@ -8636,7 +8396,7 @@
           </a:lstStyle>
           <a:p>
             <a:r>
-              <a:rPr lang="en-US" sz="1600" dirty="0" smtClean="0">
+              <a:rPr lang="en-US" sz="1600" dirty="0">
                 <a:solidFill>
                   <a:schemeClr val="bg2">
                     <a:lumMod val="20000"/>
@@ -8646,14 +8406,6 @@
               </a:rPr>
               <a:t>TRIGGER</a:t>
             </a:r>
-            <a:endParaRPr lang="en-US" sz="1600" dirty="0">
-              <a:solidFill>
-                <a:schemeClr val="bg2">
-                  <a:lumMod val="20000"/>
-                  <a:lumOff val="80000"/>
-                </a:schemeClr>
-              </a:solidFill>
-            </a:endParaRPr>
           </a:p>
         </p:txBody>
       </p:sp>
@@ -8734,18 +8486,13 @@
           </a:lstStyle>
           <a:p>
             <a:r>
-              <a:rPr lang="en-US" sz="3000" dirty="0" smtClean="0">
+              <a:rPr lang="en-US" sz="3000" dirty="0">
                 <a:solidFill>
                   <a:srgbClr val="FF0000"/>
                 </a:solidFill>
               </a:rPr>
               <a:t>PRESS THE TRIGGER BUTTON TO CONTINUE</a:t>
             </a:r>
-            <a:endParaRPr lang="en-US" sz="3000" dirty="0">
-              <a:solidFill>
-                <a:srgbClr val="FF0000"/>
-              </a:solidFill>
-            </a:endParaRPr>
           </a:p>
         </p:txBody>
       </p:sp>
@@ -8759,13 +8506,6 @@
   <p:clrMapOvr>
     <a:masterClrMapping/>
   </p:clrMapOvr>
-  <p:timing>
-    <p:tnLst>
-      <p:par>
-        <p:cTn id="1" dur="indefinite" restart="never" nodeType="tmRoot"/>
-      </p:par>
-    </p:tnLst>
-  </p:timing>
 </p:sld>
 </file>
 
@@ -8818,23 +8558,15 @@
               <a:buNone/>
             </a:pPr>
             <a:r>
-              <a:rPr lang="en-US" sz="2800" dirty="0" smtClean="0">
+              <a:rPr lang="en-US" sz="2800" dirty="0">
                 <a:ea typeface="Calibri"/>
                 <a:cs typeface="Times New Roman"/>
               </a:rPr>
               <a:t>  </a:t>
             </a:r>
             <a:r>
-              <a:rPr lang="en-US" sz="2800" dirty="0" smtClean="0"/>
-              <a:t>I </a:t>
-            </a:r>
-            <a:r>
               <a:rPr lang="en-US" sz="2800" dirty="0"/>
-              <a:t>will now show you an example of each type </a:t>
-            </a:r>
-            <a:r>
-              <a:rPr lang="en-US" sz="2800" dirty="0" smtClean="0"/>
-              <a:t>of outcome, </a:t>
+              <a:t>I will now show you an example of each type of outcome, </a:t>
             </a:r>
           </a:p>
           <a:p>
@@ -8848,16 +8580,8 @@
               <a:buNone/>
             </a:pPr>
             <a:r>
-              <a:rPr lang="en-US" sz="2800" dirty="0" smtClean="0"/>
-              <a:t>positive </a:t>
-            </a:r>
-            <a:r>
               <a:rPr lang="en-US" sz="2800" dirty="0"/>
-              <a:t>and </a:t>
-            </a:r>
-            <a:r>
-              <a:rPr lang="en-US" sz="2800" dirty="0" smtClean="0"/>
-              <a:t>negative.</a:t>
+              <a:t>positive and negative.</a:t>
             </a:r>
           </a:p>
           <a:p>
@@ -8870,7 +8594,7 @@
               </a:spcAft>
               <a:buNone/>
             </a:pPr>
-            <a:endParaRPr lang="en-US" sz="2800" dirty="0" smtClean="0"/>
+            <a:endParaRPr lang="en-US" sz="2800" dirty="0"/>
           </a:p>
           <a:p>
             <a:pPr marL="0" marR="0" indent="0" algn="ctr">
@@ -8883,58 +8607,34 @@
               <a:buNone/>
             </a:pPr>
             <a:r>
-              <a:rPr lang="en-US" sz="2800" dirty="0" smtClean="0"/>
-              <a:t>First </a:t>
-            </a:r>
-            <a:r>
               <a:rPr lang="en-US" sz="2800" dirty="0"/>
-              <a:t>is an example of what you would see for the left </a:t>
-            </a:r>
-            <a:r>
-              <a:rPr lang="en-US" sz="2800" dirty="0" smtClean="0"/>
-              <a:t>outcome of this trial, </a:t>
-            </a:r>
+              <a:t>First is an example of what you would see for the left outcome of this trial, which includes a positive picture, sound and no reward money.</a:t>
+            </a:r>
+          </a:p>
+          <a:p>
+            <a:pPr marL="0" marR="0" indent="0" algn="ctr">
+              <a:spcBef>
+                <a:spcPts val="0"/>
+              </a:spcBef>
+              <a:spcAft>
+                <a:spcPts val="0"/>
+              </a:spcAft>
+              <a:buNone/>
+            </a:pPr>
+            <a:endParaRPr lang="en-US" sz="2800" dirty="0"/>
+          </a:p>
+          <a:p>
+            <a:pPr marL="0" marR="0" indent="0" algn="ctr">
+              <a:spcBef>
+                <a:spcPts val="0"/>
+              </a:spcBef>
+              <a:spcAft>
+                <a:spcPts val="0"/>
+              </a:spcAft>
+              <a:buNone/>
+            </a:pPr>
             <a:r>
               <a:rPr lang="en-US" sz="2800" dirty="0"/>
-              <a:t>which includes a positive </a:t>
-            </a:r>
-            <a:r>
-              <a:rPr lang="en-US" sz="2800" dirty="0" smtClean="0"/>
-              <a:t>picture, sound </a:t>
-            </a:r>
-            <a:r>
-              <a:rPr lang="en-US" sz="2800" dirty="0"/>
-              <a:t>and </a:t>
-            </a:r>
-            <a:r>
-              <a:rPr lang="en-US" sz="2800" dirty="0" smtClean="0"/>
-              <a:t>no reward money.</a:t>
-            </a:r>
-          </a:p>
-          <a:p>
-            <a:pPr marL="0" marR="0" indent="0" algn="ctr">
-              <a:spcBef>
-                <a:spcPts val="0"/>
-              </a:spcBef>
-              <a:spcAft>
-                <a:spcPts val="0"/>
-              </a:spcAft>
-              <a:buNone/>
-            </a:pPr>
-            <a:endParaRPr lang="en-US" sz="2800" dirty="0" smtClean="0"/>
-          </a:p>
-          <a:p>
-            <a:pPr marL="0" marR="0" indent="0" algn="ctr">
-              <a:spcBef>
-                <a:spcPts val="0"/>
-              </a:spcBef>
-              <a:spcAft>
-                <a:spcPts val="0"/>
-              </a:spcAft>
-              <a:buNone/>
-            </a:pPr>
-            <a:r>
-              <a:rPr lang="en-US" sz="2800" dirty="0" smtClean="0"/>
               <a:t>Press the trigger button to see this example.</a:t>
             </a:r>
             <a:endParaRPr lang="en-US" sz="2800" dirty="0">
@@ -9224,7 +8924,7 @@
           </a:lstStyle>
           <a:p>
             <a:r>
-              <a:rPr lang="en-US" sz="1600" dirty="0" smtClean="0">
+              <a:rPr lang="en-US" sz="1600" dirty="0">
                 <a:solidFill>
                   <a:schemeClr val="bg2">
                     <a:lumMod val="20000"/>
@@ -9234,14 +8934,6 @@
               </a:rPr>
               <a:t>TOP</a:t>
             </a:r>
-            <a:endParaRPr lang="en-US" sz="1600" dirty="0">
-              <a:solidFill>
-                <a:schemeClr val="bg2">
-                  <a:lumMod val="20000"/>
-                  <a:lumOff val="80000"/>
-                </a:schemeClr>
-              </a:solidFill>
-            </a:endParaRPr>
           </a:p>
         </p:txBody>
       </p:sp>
@@ -9461,7 +9153,7 @@
           </a:lstStyle>
           <a:p>
             <a:r>
-              <a:rPr lang="en-US" sz="1600" dirty="0" smtClean="0">
+              <a:rPr lang="en-US" sz="1600" dirty="0">
                 <a:solidFill>
                   <a:schemeClr val="bg2">
                     <a:lumMod val="20000"/>
@@ -9471,14 +9163,6 @@
               </a:rPr>
               <a:t>TRIGGER</a:t>
             </a:r>
-            <a:endParaRPr lang="en-US" sz="1600" dirty="0">
-              <a:solidFill>
-                <a:schemeClr val="bg2">
-                  <a:lumMod val="20000"/>
-                  <a:lumOff val="80000"/>
-                </a:schemeClr>
-              </a:solidFill>
-            </a:endParaRPr>
           </a:p>
         </p:txBody>
       </p:sp>
@@ -9559,18 +9243,13 @@
           </a:lstStyle>
           <a:p>
             <a:r>
-              <a:rPr lang="en-US" sz="3000" dirty="0" smtClean="0">
+              <a:rPr lang="en-US" sz="3000" dirty="0">
                 <a:solidFill>
                   <a:srgbClr val="FF0000"/>
                 </a:solidFill>
               </a:rPr>
               <a:t>PRESS THE TRIGGER BUTTON TO CONTINUE</a:t>
             </a:r>
-            <a:endParaRPr lang="en-US" sz="3000" dirty="0">
-              <a:solidFill>
-                <a:srgbClr val="FF0000"/>
-              </a:solidFill>
-            </a:endParaRPr>
           </a:p>
         </p:txBody>
       </p:sp>
@@ -9584,13 +9263,6 @@
   <p:clrMapOvr>
     <a:masterClrMapping/>
   </p:clrMapOvr>
-  <p:timing>
-    <p:tnLst>
-      <p:par>
-        <p:cTn id="1" dur="indefinite" restart="never" nodeType="tmRoot"/>
-      </p:par>
-    </p:tnLst>
-  </p:timing>
 </p:sld>
 </file>
 
@@ -9651,13 +9323,6 @@
   <p:clrMapOvr>
     <a:masterClrMapping/>
   </p:clrMapOvr>
-  <p:timing>
-    <p:tnLst>
-      <p:par>
-        <p:cTn id="1" dur="indefinite" restart="never" nodeType="tmRoot"/>
-      </p:par>
-    </p:tnLst>
-  </p:timing>
 </p:sld>
 </file>
 
@@ -9741,18 +9406,18 @@
           <a:p>
             <a:pPr algn="ctr"/>
             <a:r>
-              <a:rPr lang="en-US" sz="2400" b="1" dirty="0" smtClean="0"/>
+              <a:rPr lang="en-US" sz="2400" b="1" dirty="0"/>
               <a:t>YOU MADE 0 CENTS</a:t>
             </a:r>
           </a:p>
           <a:p>
             <a:pPr algn="ctr"/>
             <a:r>
-              <a:rPr lang="en-US" sz="2400" b="1" dirty="0" smtClean="0"/>
+              <a:rPr lang="en-US" sz="2400" b="1" dirty="0"/>
               <a:t>TOTAL</a:t>
             </a:r>
             <a:r>
-              <a:rPr lang="en-US" sz="2400" b="1" smtClean="0"/>
+              <a:rPr lang="en-US" sz="2400" b="1"/>
               <a:t>: 4</a:t>
             </a:r>
             <a:endParaRPr lang="en-US" sz="2400" b="1" dirty="0"/>
@@ -9769,13 +9434,6 @@
   <p:clrMapOvr>
     <a:masterClrMapping/>
   </p:clrMapOvr>
-  <p:timing>
-    <p:tnLst>
-      <p:par>
-        <p:cTn id="1" dur="indefinite" restart="never" nodeType="tmRoot"/>
-      </p:par>
-    </p:tnLst>
-  </p:timing>
 </p:sld>
 </file>
 
@@ -9828,7 +9486,7 @@
               <a:buNone/>
             </a:pPr>
             <a:r>
-              <a:rPr lang="en-US" sz="2800" dirty="0" smtClean="0">
+              <a:rPr lang="en-US" sz="2800" dirty="0">
                 <a:ea typeface="Calibri"/>
                 <a:cs typeface="Times New Roman"/>
               </a:rPr>
@@ -9838,7 +9496,6 @@
               <a:rPr lang="en-US" sz="2800" dirty="0"/>
               <a:t>Now I will show you what would happen if the left outcome </a:t>
             </a:r>
-            <a:endParaRPr lang="en-US" sz="2800" dirty="0" smtClean="0"/>
           </a:p>
           <a:p>
             <a:pPr marL="0" marR="0" indent="0" algn="ctr">
@@ -9851,7 +9508,7 @@
               <a:buNone/>
             </a:pPr>
             <a:r>
-              <a:rPr lang="en-US" sz="2800" dirty="0" smtClean="0"/>
+              <a:rPr lang="en-US" sz="2800" dirty="0"/>
               <a:t>of </a:t>
             </a:r>
             <a:r>
@@ -9860,30 +9517,21 @@
             </a:r>
             <a:r>
               <a:rPr lang="en-US" sz="2800" dirty="0"/>
-              <a:t> </a:t>
-            </a:r>
-            <a:r>
-              <a:rPr lang="en-US" sz="2800" dirty="0" smtClean="0"/>
-              <a:t>trial (shown below) </a:t>
-            </a:r>
+              <a:t> trial (shown below) occurred, which includes a </a:t>
+            </a:r>
+          </a:p>
+          <a:p>
+            <a:pPr marL="0" marR="0" indent="0" algn="ctr">
+              <a:spcBef>
+                <a:spcPts val="0"/>
+              </a:spcBef>
+              <a:spcAft>
+                <a:spcPts val="0"/>
+              </a:spcAft>
+              <a:buNone/>
+            </a:pPr>
             <a:r>
               <a:rPr lang="en-US" sz="2800" dirty="0"/>
-              <a:t>occurred, which includes a </a:t>
-            </a:r>
-            <a:endParaRPr lang="en-US" sz="2800" dirty="0" smtClean="0"/>
-          </a:p>
-          <a:p>
-            <a:pPr marL="0" marR="0" indent="0" algn="ctr">
-              <a:spcBef>
-                <a:spcPts val="0"/>
-              </a:spcBef>
-              <a:spcAft>
-                <a:spcPts val="0"/>
-              </a:spcAft>
-              <a:buNone/>
-            </a:pPr>
-            <a:r>
-              <a:rPr lang="en-US" sz="2800" dirty="0" smtClean="0"/>
               <a:t>negative picture, sound, and some reward money.</a:t>
             </a:r>
           </a:p>
@@ -9910,7 +9558,7 @@
               <a:buNone/>
             </a:pPr>
             <a:r>
-              <a:rPr lang="en-US" sz="2800" dirty="0" smtClean="0"/>
+              <a:rPr lang="en-US" sz="2800" dirty="0"/>
               <a:t> </a:t>
             </a:r>
             <a:r>
@@ -9923,17 +9571,8 @@
             </a:r>
             <a:r>
               <a:rPr lang="en-US" sz="2800" dirty="0"/>
-              <a:t> You have no way of knowing HOW bad the picture will be for each trial…you will just know </a:t>
-            </a:r>
-            <a:r>
-              <a:rPr lang="en-US" sz="2800" dirty="0" smtClean="0"/>
-              <a:t>that it </a:t>
-            </a:r>
-            <a:r>
-              <a:rPr lang="en-US" sz="2800" dirty="0"/>
-              <a:t>is going to be negative. </a:t>
-            </a:r>
-            <a:endParaRPr lang="en-US" sz="2800" dirty="0" smtClean="0"/>
+              <a:t> You have no way of knowing HOW bad the picture will be for each trial…you will just know that it is going to be negative. </a:t>
+            </a:r>
           </a:p>
           <a:p>
             <a:pPr marL="0" marR="0" indent="0" algn="ctr">
@@ -9958,35 +9597,22 @@
               <a:buNone/>
             </a:pPr>
             <a:r>
-              <a:rPr lang="en-US" sz="2800" dirty="0" smtClean="0"/>
-              <a:t>During </a:t>
-            </a:r>
-            <a:r>
               <a:rPr lang="en-US" sz="2800" dirty="0"/>
-              <a:t>the task, you will have some control over how likely and how often </a:t>
-            </a:r>
-            <a:r>
-              <a:rPr lang="en-US" sz="2800" dirty="0" smtClean="0"/>
-              <a:t>you </a:t>
-            </a:r>
+              <a:t>During the task, you will have some control over how likely and how often you see the negative pictures, but we want to give you an example here so that you will know what to expect. </a:t>
+            </a:r>
+          </a:p>
+          <a:p>
+            <a:pPr marL="0" marR="0" indent="0" algn="ctr">
+              <a:spcBef>
+                <a:spcPts val="0"/>
+              </a:spcBef>
+              <a:spcAft>
+                <a:spcPts val="0"/>
+              </a:spcAft>
+              <a:buNone/>
+            </a:pPr>
             <a:r>
               <a:rPr lang="en-US" sz="2800" dirty="0"/>
-              <a:t>see the negative pictures, but we want to give you an example here so that you will know what to expect. </a:t>
-            </a:r>
-            <a:endParaRPr lang="en-US" sz="2800" dirty="0" smtClean="0"/>
-          </a:p>
-          <a:p>
-            <a:pPr marL="0" marR="0" indent="0" algn="ctr">
-              <a:spcBef>
-                <a:spcPts val="0"/>
-              </a:spcBef>
-              <a:spcAft>
-                <a:spcPts val="0"/>
-              </a:spcAft>
-              <a:buNone/>
-            </a:pPr>
-            <a:r>
-              <a:rPr lang="en-US" sz="2800" dirty="0" smtClean="0"/>
               <a:t>Press the trigger button to see this example.</a:t>
             </a:r>
             <a:endParaRPr lang="en-US" sz="2800" dirty="0">
@@ -10247,7 +9873,7 @@
           </a:lstStyle>
           <a:p>
             <a:r>
-              <a:rPr lang="en-US" sz="1600" dirty="0" smtClean="0">
+              <a:rPr lang="en-US" sz="1600" dirty="0">
                 <a:solidFill>
                   <a:schemeClr val="bg2">
                     <a:lumMod val="20000"/>
@@ -10257,14 +9883,6 @@
               </a:rPr>
               <a:t>TOP</a:t>
             </a:r>
-            <a:endParaRPr lang="en-US" sz="1600" dirty="0">
-              <a:solidFill>
-                <a:schemeClr val="bg2">
-                  <a:lumMod val="20000"/>
-                  <a:lumOff val="80000"/>
-                </a:schemeClr>
-              </a:solidFill>
-            </a:endParaRPr>
           </a:p>
         </p:txBody>
       </p:sp>
@@ -10484,7 +10102,7 @@
           </a:lstStyle>
           <a:p>
             <a:r>
-              <a:rPr lang="en-US" sz="1600" dirty="0" smtClean="0">
+              <a:rPr lang="en-US" sz="1600" dirty="0">
                 <a:solidFill>
                   <a:schemeClr val="bg2">
                     <a:lumMod val="20000"/>
@@ -10494,14 +10112,6 @@
               </a:rPr>
               <a:t>TRIGGER</a:t>
             </a:r>
-            <a:endParaRPr lang="en-US" sz="1600" dirty="0">
-              <a:solidFill>
-                <a:schemeClr val="bg2">
-                  <a:lumMod val="20000"/>
-                  <a:lumOff val="80000"/>
-                </a:schemeClr>
-              </a:solidFill>
-            </a:endParaRPr>
           </a:p>
         </p:txBody>
       </p:sp>
@@ -10582,18 +10192,13 @@
           </a:lstStyle>
           <a:p>
             <a:r>
-              <a:rPr lang="en-US" sz="3000" dirty="0" smtClean="0">
+              <a:rPr lang="en-US" sz="3000" dirty="0">
                 <a:solidFill>
                   <a:srgbClr val="FF0000"/>
                 </a:solidFill>
               </a:rPr>
               <a:t>PRESS THE TRIGGER BUTTON TO CONTINUE</a:t>
             </a:r>
-            <a:endParaRPr lang="en-US" sz="3000" dirty="0">
-              <a:solidFill>
-                <a:srgbClr val="FF0000"/>
-              </a:solidFill>
-            </a:endParaRPr>
           </a:p>
         </p:txBody>
       </p:sp>
@@ -10607,13 +10212,6 @@
   <p:clrMapOvr>
     <a:masterClrMapping/>
   </p:clrMapOvr>
-  <p:timing>
-    <p:tnLst>
-      <p:par>
-        <p:cTn id="1" dur="indefinite" restart="never" nodeType="tmRoot"/>
-      </p:par>
-    </p:tnLst>
-  </p:timing>
 </p:sld>
 </file>
 
@@ -10674,13 +10272,6 @@
   <p:clrMapOvr>
     <a:masterClrMapping/>
   </p:clrMapOvr>
-  <p:timing>
-    <p:tnLst>
-      <p:par>
-        <p:cTn id="1" dur="indefinite" restart="never" nodeType="tmRoot"/>
-      </p:par>
-    </p:tnLst>
-  </p:timing>
 </p:sld>
 </file>
 
@@ -10764,17 +10355,16 @@
           <a:p>
             <a:pPr algn="ctr"/>
             <a:r>
-              <a:rPr lang="en-US" sz="2400" b="1" dirty="0" smtClean="0"/>
+              <a:rPr lang="en-US" sz="2400" b="1" dirty="0"/>
               <a:t>YOU MADE 6 CENTS</a:t>
             </a:r>
           </a:p>
           <a:p>
             <a:pPr algn="ctr"/>
             <a:r>
-              <a:rPr lang="en-US" sz="2400" b="1" dirty="0" smtClean="0"/>
+              <a:rPr lang="en-US" sz="2400" b="1" dirty="0"/>
               <a:t>TOTAL: 10</a:t>
             </a:r>
-            <a:endParaRPr lang="en-US" sz="2400" b="1" dirty="0"/>
           </a:p>
         </p:txBody>
       </p:sp>
@@ -10788,13 +10378,6 @@
   <p:clrMapOvr>
     <a:masterClrMapping/>
   </p:clrMapOvr>
-  <p:timing>
-    <p:tnLst>
-      <p:par>
-        <p:cTn id="1" dur="indefinite" restart="never" nodeType="tmRoot"/>
-      </p:par>
-    </p:tnLst>
-  </p:timing>
 </p:sld>
 </file>
 
@@ -10848,17 +10431,8 @@
             </a:pPr>
             <a:r>
               <a:rPr lang="en-US" sz="2800" dirty="0"/>
-              <a:t>Note that some of the trials may look like </a:t>
-            </a:r>
-            <a:r>
-              <a:rPr lang="en-US" sz="2800" dirty="0" smtClean="0"/>
-              <a:t>that shown below, </a:t>
-            </a:r>
-            <a:r>
-              <a:rPr lang="en-US" sz="2800" dirty="0"/>
-              <a:t>where there is no risk of seeing a negative picture and both choices are associated with a positive picture. </a:t>
-            </a:r>
-            <a:endParaRPr lang="en-US" sz="2800" dirty="0" smtClean="0"/>
+              <a:t>Note that some of the trials may look like that shown below, where there is no risk of seeing a negative picture and both choices are associated with a positive picture. </a:t>
+            </a:r>
           </a:p>
           <a:p>
             <a:pPr marL="0" marR="0" indent="0" algn="ctr">
@@ -10883,14 +10457,9 @@
               <a:buNone/>
             </a:pPr>
             <a:r>
-              <a:rPr lang="en-US" sz="2800" dirty="0" smtClean="0"/>
-              <a:t>In </a:t>
-            </a:r>
-            <a:r>
               <a:rPr lang="en-US" sz="2800" dirty="0"/>
-              <a:t>these instances, there really is no reason </a:t>
-            </a:r>
-            <a:endParaRPr lang="en-US" sz="2800" dirty="0" smtClean="0"/>
+              <a:t>In these instances, there really is no reason </a:t>
+            </a:r>
           </a:p>
           <a:p>
             <a:pPr marL="0" marR="0" indent="0" algn="ctr">
@@ -10903,16 +10472,8 @@
               <a:buNone/>
             </a:pPr>
             <a:r>
-              <a:rPr lang="en-US" sz="2800" dirty="0" smtClean="0"/>
-              <a:t>not to go </a:t>
-            </a:r>
-            <a:r>
               <a:rPr lang="en-US" sz="2800" dirty="0"/>
-              <a:t>towards the </a:t>
-            </a:r>
-            <a:r>
-              <a:rPr lang="en-US" sz="2800" dirty="0" smtClean="0"/>
-              <a:t>money. </a:t>
+              <a:t>not to go towards the money. </a:t>
             </a:r>
           </a:p>
           <a:p>
@@ -10938,14 +10499,9 @@
               <a:buNone/>
             </a:pPr>
             <a:r>
-              <a:rPr lang="en-US" sz="2800" dirty="0" smtClean="0"/>
-              <a:t>These </a:t>
-            </a:r>
-            <a:r>
               <a:rPr lang="en-US" sz="2800" dirty="0"/>
-              <a:t>types of trials make sure you are </a:t>
-            </a:r>
-            <a:endParaRPr lang="en-US" sz="2800" dirty="0" smtClean="0"/>
+              <a:t>These types of trials make sure you are </a:t>
+            </a:r>
           </a:p>
           <a:p>
             <a:pPr marL="0" marR="0" indent="0" algn="ctr">
@@ -10958,12 +10514,8 @@
               <a:buNone/>
             </a:pPr>
             <a:r>
-              <a:rPr lang="en-US" sz="2800" dirty="0" smtClean="0"/>
-              <a:t>paying </a:t>
-            </a:r>
-            <a:r>
               <a:rPr lang="en-US" sz="2800" dirty="0"/>
-              <a:t>attention the entire task. </a:t>
+              <a:t>paying attention the entire task. </a:t>
             </a:r>
             <a:endParaRPr lang="en-US" sz="2800" dirty="0">
               <a:ea typeface="Calibri"/>
@@ -11223,7 +10775,7 @@
           </a:lstStyle>
           <a:p>
             <a:r>
-              <a:rPr lang="en-US" sz="1600" dirty="0" smtClean="0">
+              <a:rPr lang="en-US" sz="1600" dirty="0">
                 <a:solidFill>
                   <a:schemeClr val="bg2">
                     <a:lumMod val="20000"/>
@@ -11233,14 +10785,6 @@
               </a:rPr>
               <a:t>TOP</a:t>
             </a:r>
-            <a:endParaRPr lang="en-US" sz="1600" dirty="0">
-              <a:solidFill>
-                <a:schemeClr val="bg2">
-                  <a:lumMod val="20000"/>
-                  <a:lumOff val="80000"/>
-                </a:schemeClr>
-              </a:solidFill>
-            </a:endParaRPr>
           </a:p>
         </p:txBody>
       </p:sp>
@@ -11460,7 +11004,7 @@
           </a:lstStyle>
           <a:p>
             <a:r>
-              <a:rPr lang="en-US" sz="1600" dirty="0" smtClean="0">
+              <a:rPr lang="en-US" sz="1600" dirty="0">
                 <a:solidFill>
                   <a:schemeClr val="bg2">
                     <a:lumMod val="20000"/>
@@ -11470,14 +11014,6 @@
               </a:rPr>
               <a:t>TRIGGER</a:t>
             </a:r>
-            <a:endParaRPr lang="en-US" sz="1600" dirty="0">
-              <a:solidFill>
-                <a:schemeClr val="bg2">
-                  <a:lumMod val="20000"/>
-                  <a:lumOff val="80000"/>
-                </a:schemeClr>
-              </a:solidFill>
-            </a:endParaRPr>
           </a:p>
         </p:txBody>
       </p:sp>
@@ -11558,18 +11094,13 @@
           </a:lstStyle>
           <a:p>
             <a:r>
-              <a:rPr lang="en-US" sz="3000" dirty="0" smtClean="0">
+              <a:rPr lang="en-US" sz="3000" dirty="0">
                 <a:solidFill>
                   <a:srgbClr val="FF0000"/>
                 </a:solidFill>
               </a:rPr>
               <a:t>PRESS THE TRIGGER BUTTON TO CONTINUE</a:t>
             </a:r>
-            <a:endParaRPr lang="en-US" sz="3000" dirty="0">
-              <a:solidFill>
-                <a:srgbClr val="FF0000"/>
-              </a:solidFill>
-            </a:endParaRPr>
           </a:p>
         </p:txBody>
       </p:sp>
@@ -11583,13 +11114,6 @@
   <p:clrMapOvr>
     <a:masterClrMapping/>
   </p:clrMapOvr>
-  <p:timing>
-    <p:tnLst>
-      <p:par>
-        <p:cTn id="1" dur="indefinite" restart="never" nodeType="tmRoot"/>
-      </p:par>
-    </p:tnLst>
-  </p:timing>
 </p:sld>
 </file>
 
@@ -11642,7 +11166,7 @@
               <a:buNone/>
             </a:pPr>
             <a:r>
-              <a:rPr lang="en-US" sz="2800" dirty="0" smtClean="0">
+              <a:rPr lang="en-US" sz="2800" dirty="0">
                 <a:ea typeface="Calibri"/>
                 <a:cs typeface="Times New Roman"/>
               </a:rPr>
@@ -11660,7 +11184,7 @@
               <a:buNone/>
             </a:pPr>
             <a:r>
-              <a:rPr lang="en-US" sz="2800" dirty="0" smtClean="0">
+              <a:rPr lang="en-US" sz="2800" dirty="0">
                 <a:ea typeface="Calibri"/>
                 <a:cs typeface="Times New Roman"/>
               </a:rPr>
@@ -11677,7 +11201,7 @@
               </a:spcAft>
               <a:buNone/>
             </a:pPr>
-            <a:endParaRPr lang="en-US" sz="2800" dirty="0" smtClean="0">
+            <a:endParaRPr lang="en-US" sz="2800" dirty="0">
               <a:ea typeface="Calibri"/>
               <a:cs typeface="Times New Roman"/>
             </a:endParaRPr>
@@ -11693,7 +11217,7 @@
               <a:buNone/>
             </a:pPr>
             <a:r>
-              <a:rPr lang="en-US" sz="2800" dirty="0" smtClean="0">
+              <a:rPr lang="en-US" sz="2800" dirty="0">
                 <a:ea typeface="Calibri"/>
                 <a:cs typeface="Times New Roman"/>
               </a:rPr>
@@ -11711,21 +11235,21 @@
               <a:buNone/>
             </a:pPr>
             <a:r>
-              <a:rPr lang="en-US" sz="2800" dirty="0" smtClean="0">
+              <a:rPr lang="en-US" sz="2800" dirty="0">
                 <a:ea typeface="Calibri"/>
                 <a:cs typeface="Times New Roman"/>
               </a:rPr>
               <a:t>pictures on each side of the runway</a:t>
             </a:r>
             <a:r>
-              <a:rPr lang="en-US" sz="2800" b="1" dirty="0" smtClean="0">
+              <a:rPr lang="en-US" sz="2800" b="1" dirty="0">
                 <a:ea typeface="Calibri"/>
                 <a:cs typeface="Times New Roman"/>
               </a:rPr>
               <a:t>.</a:t>
             </a:r>
             <a:r>
-              <a:rPr lang="en-US" sz="2800" dirty="0" smtClean="0">
+              <a:rPr lang="en-US" sz="2800" dirty="0">
                 <a:ea typeface="Calibri"/>
                 <a:cs typeface="Times New Roman"/>
               </a:rPr>
@@ -11742,7 +11266,7 @@
               </a:spcAft>
               <a:buNone/>
             </a:pPr>
-            <a:endParaRPr lang="en-US" sz="2800" dirty="0" smtClean="0">
+            <a:endParaRPr lang="en-US" sz="2800" dirty="0">
               <a:ea typeface="Calibri"/>
               <a:cs typeface="Times New Roman"/>
             </a:endParaRPr>
@@ -11757,7 +11281,7 @@
               </a:spcAft>
               <a:buNone/>
             </a:pPr>
-            <a:endParaRPr lang="en-US" sz="2800" dirty="0" smtClean="0">
+            <a:endParaRPr lang="en-US" sz="2800" dirty="0">
               <a:ea typeface="Calibri"/>
               <a:cs typeface="Times New Roman"/>
             </a:endParaRPr>
@@ -11772,7 +11296,7 @@
               </a:spcAft>
               <a:buNone/>
             </a:pPr>
-            <a:endParaRPr lang="en-US" sz="2800" dirty="0" smtClean="0">
+            <a:endParaRPr lang="en-US" sz="2800" dirty="0">
               <a:ea typeface="Calibri"/>
               <a:cs typeface="Times New Roman"/>
             </a:endParaRPr>
@@ -12074,7 +11598,7 @@
           </a:lstStyle>
           <a:p>
             <a:r>
-              <a:rPr lang="en-US" sz="1600" dirty="0" smtClean="0">
+              <a:rPr lang="en-US" sz="1600" dirty="0">
                 <a:solidFill>
                   <a:schemeClr val="bg2">
                     <a:lumMod val="20000"/>
@@ -12084,14 +11608,6 @@
               </a:rPr>
               <a:t>TOP</a:t>
             </a:r>
-            <a:endParaRPr lang="en-US" sz="1600" dirty="0">
-              <a:solidFill>
-                <a:schemeClr val="bg2">
-                  <a:lumMod val="20000"/>
-                  <a:lumOff val="80000"/>
-                </a:schemeClr>
-              </a:solidFill>
-            </a:endParaRPr>
           </a:p>
         </p:txBody>
       </p:sp>
@@ -12311,7 +11827,7 @@
           </a:lstStyle>
           <a:p>
             <a:r>
-              <a:rPr lang="en-US" sz="1600" dirty="0" smtClean="0">
+              <a:rPr lang="en-US" sz="1600" dirty="0">
                 <a:solidFill>
                   <a:schemeClr val="bg2">
                     <a:lumMod val="20000"/>
@@ -12321,14 +11837,6 @@
               </a:rPr>
               <a:t>TRIGGER</a:t>
             </a:r>
-            <a:endParaRPr lang="en-US" sz="1600" dirty="0">
-              <a:solidFill>
-                <a:schemeClr val="bg2">
-                  <a:lumMod val="20000"/>
-                  <a:lumOff val="80000"/>
-                </a:schemeClr>
-              </a:solidFill>
-            </a:endParaRPr>
           </a:p>
         </p:txBody>
       </p:sp>
@@ -12409,34 +11917,13 @@
           </a:lstStyle>
           <a:p>
             <a:r>
-              <a:rPr lang="en-US" sz="3000" dirty="0" smtClean="0">
+              <a:rPr lang="en-US" sz="3000" dirty="0">
                 <a:solidFill>
                   <a:srgbClr val="FF0000"/>
                 </a:solidFill>
               </a:rPr>
-              <a:t>PRESS THE </a:t>
-            </a:r>
-            <a:r>
-              <a:rPr lang="en-US" sz="3000" dirty="0">
-                <a:solidFill>
-                  <a:srgbClr val="FF0000"/>
-                </a:solidFill>
-              </a:rPr>
-              <a:t>TRIGGER BUTTON TO </a:t>
-            </a:r>
-            <a:r>
-              <a:rPr lang="en-US" sz="3000" dirty="0" smtClean="0">
-                <a:solidFill>
-                  <a:srgbClr val="FF0000"/>
-                </a:solidFill>
-              </a:rPr>
-              <a:t>CONTINUE</a:t>
-            </a:r>
-            <a:endParaRPr lang="en-US" sz="3000" dirty="0">
-              <a:solidFill>
-                <a:srgbClr val="FF0000"/>
-              </a:solidFill>
-            </a:endParaRPr>
+              <a:t>PRESS THE TRIGGER BUTTON TO CONTINUE</a:t>
+            </a:r>
           </a:p>
         </p:txBody>
       </p:sp>
@@ -12450,13 +11937,6 @@
   <p:clrMapOvr>
     <a:masterClrMapping/>
   </p:clrMapOvr>
-  <p:timing>
-    <p:tnLst>
-      <p:par>
-        <p:cTn id="1" dur="indefinite" restart="never" nodeType="tmRoot"/>
-      </p:par>
-    </p:tnLst>
-  </p:timing>
 </p:sld>
 </file>
 
@@ -12509,39 +11989,11 @@
               <a:buNone/>
             </a:pPr>
             <a:r>
-              <a:rPr lang="en-US" sz="2800" dirty="0" smtClean="0">
-                <a:ea typeface="Calibri"/>
-                <a:cs typeface="Times New Roman"/>
-              </a:rPr>
-              <a:t>Also note that </a:t>
-            </a:r>
-            <a:r>
               <a:rPr lang="en-US" sz="2800" dirty="0">
                 <a:ea typeface="Calibri"/>
                 <a:cs typeface="Times New Roman"/>
               </a:rPr>
-              <a:t>some of the trials may look like this, where there </a:t>
-            </a:r>
-            <a:r>
-              <a:rPr lang="en-US" sz="2800" dirty="0" smtClean="0">
-                <a:ea typeface="Calibri"/>
-                <a:cs typeface="Times New Roman"/>
-              </a:rPr>
-              <a:t>is no reward money offered </a:t>
-            </a:r>
-            <a:r>
-              <a:rPr lang="en-US" sz="2800" dirty="0">
-                <a:ea typeface="Calibri"/>
-                <a:cs typeface="Times New Roman"/>
-              </a:rPr>
-              <a:t>for either outcome</a:t>
-            </a:r>
-            <a:r>
-              <a:rPr lang="en-US" sz="2800" dirty="0" smtClean="0">
-                <a:ea typeface="Calibri"/>
-                <a:cs typeface="Times New Roman"/>
-              </a:rPr>
-              <a:t>.</a:t>
+              <a:t>Also note that some of the trials may look like this, where there is no reward money offered for either outcome.</a:t>
             </a:r>
           </a:p>
           <a:p>
@@ -12570,32 +12022,11 @@
               <a:buNone/>
             </a:pPr>
             <a:r>
-              <a:rPr lang="en-US" sz="2800" dirty="0" smtClean="0">
-                <a:ea typeface="Calibri"/>
-                <a:cs typeface="Times New Roman"/>
-              </a:rPr>
-              <a:t> </a:t>
-            </a:r>
-            <a:r>
               <a:rPr lang="en-US" sz="2800" dirty="0">
                 <a:ea typeface="Calibri"/>
                 <a:cs typeface="Times New Roman"/>
               </a:rPr>
-              <a:t>In these instances, there is no reason </a:t>
-            </a:r>
-            <a:r>
-              <a:rPr lang="en-US" sz="2800" dirty="0" smtClean="0">
-                <a:ea typeface="Calibri"/>
-                <a:cs typeface="Times New Roman"/>
-              </a:rPr>
-              <a:t>not to go </a:t>
-            </a:r>
-            <a:r>
-              <a:rPr lang="en-US" sz="2800" dirty="0">
-                <a:ea typeface="Calibri"/>
-                <a:cs typeface="Times New Roman"/>
-              </a:rPr>
-              <a:t>towards the sun unless you are really wanting to see the negative picture. </a:t>
+              <a:t> In these instances, there is no reason not to go towards the sun unless you are really wanting to see the negative picture. </a:t>
             </a:r>
           </a:p>
         </p:txBody>
@@ -12851,7 +12282,7 @@
           </a:lstStyle>
           <a:p>
             <a:r>
-              <a:rPr lang="en-US" sz="1600" dirty="0" smtClean="0">
+              <a:rPr lang="en-US" sz="1600" dirty="0">
                 <a:solidFill>
                   <a:schemeClr val="bg2">
                     <a:lumMod val="20000"/>
@@ -12861,14 +12292,6 @@
               </a:rPr>
               <a:t>TOP</a:t>
             </a:r>
-            <a:endParaRPr lang="en-US" sz="1600" dirty="0">
-              <a:solidFill>
-                <a:schemeClr val="bg2">
-                  <a:lumMod val="20000"/>
-                  <a:lumOff val="80000"/>
-                </a:schemeClr>
-              </a:solidFill>
-            </a:endParaRPr>
           </a:p>
         </p:txBody>
       </p:sp>
@@ -13088,7 +12511,7 @@
           </a:lstStyle>
           <a:p>
             <a:r>
-              <a:rPr lang="en-US" sz="1600" dirty="0" smtClean="0">
+              <a:rPr lang="en-US" sz="1600" dirty="0">
                 <a:solidFill>
                   <a:schemeClr val="bg2">
                     <a:lumMod val="20000"/>
@@ -13098,14 +12521,6 @@
               </a:rPr>
               <a:t>TRIGGER</a:t>
             </a:r>
-            <a:endParaRPr lang="en-US" sz="1600" dirty="0">
-              <a:solidFill>
-                <a:schemeClr val="bg2">
-                  <a:lumMod val="20000"/>
-                  <a:lumOff val="80000"/>
-                </a:schemeClr>
-              </a:solidFill>
-            </a:endParaRPr>
           </a:p>
         </p:txBody>
       </p:sp>
@@ -13186,18 +12601,13 @@
           </a:lstStyle>
           <a:p>
             <a:r>
-              <a:rPr lang="en-US" sz="3000" dirty="0" smtClean="0">
+              <a:rPr lang="en-US" sz="3000" dirty="0">
                 <a:solidFill>
                   <a:srgbClr val="FF0000"/>
                 </a:solidFill>
               </a:rPr>
               <a:t>PRESS THE TRIGGER BUTTON TO CONTINUE</a:t>
             </a:r>
-            <a:endParaRPr lang="en-US" sz="3000" dirty="0">
-              <a:solidFill>
-                <a:srgbClr val="FF0000"/>
-              </a:solidFill>
-            </a:endParaRPr>
           </a:p>
         </p:txBody>
       </p:sp>
@@ -13211,13 +12621,6 @@
   <p:clrMapOvr>
     <a:masterClrMapping/>
   </p:clrMapOvr>
-  <p:timing>
-    <p:tnLst>
-      <p:par>
-        <p:cTn id="1" dur="indefinite" restart="never" nodeType="tmRoot"/>
-      </p:par>
-    </p:tnLst>
-  </p:timing>
 </p:sld>
 </file>
 
@@ -13271,48 +12674,28 @@
             </a:pPr>
             <a:r>
               <a:rPr lang="en-US" sz="2800" dirty="0"/>
-              <a:t>Remember, for each trial, we want you to be indicating how strongly you want each possible outcome, given the potential reward </a:t>
-            </a:r>
-            <a:r>
-              <a:rPr lang="en-US" sz="2800" dirty="0" smtClean="0"/>
-              <a:t>money as </a:t>
-            </a:r>
+              <a:t>Remember, for each trial, we want you to be indicating how strongly you want each possible outcome, given the potential reward money as well as the potential images and sounds you would have to see in order to get the money.</a:t>
+            </a:r>
+          </a:p>
+          <a:p>
+            <a:pPr marL="0" indent="0" algn="ctr">
+              <a:spcBef>
+                <a:spcPts val="0"/>
+              </a:spcBef>
+              <a:buNone/>
+            </a:pPr>
+            <a:endParaRPr lang="en-US" sz="2800" dirty="0"/>
+          </a:p>
+          <a:p>
+            <a:pPr marL="0" indent="0" algn="ctr">
+              <a:spcBef>
+                <a:spcPts val="0"/>
+              </a:spcBef>
+              <a:buNone/>
+            </a:pPr>
             <a:r>
               <a:rPr lang="en-US" sz="2800" dirty="0"/>
-              <a:t>well as the potential images and sounds you would have to see in order to get </a:t>
-            </a:r>
-            <a:r>
-              <a:rPr lang="en-US" sz="2800" dirty="0" smtClean="0"/>
-              <a:t>the money.</a:t>
-            </a:r>
-          </a:p>
-          <a:p>
-            <a:pPr marL="0" indent="0" algn="ctr">
-              <a:spcBef>
-                <a:spcPts val="0"/>
-              </a:spcBef>
-              <a:buNone/>
-            </a:pPr>
-            <a:endParaRPr lang="en-US" sz="2800" dirty="0" smtClean="0"/>
-          </a:p>
-          <a:p>
-            <a:pPr marL="0" indent="0" algn="ctr">
-              <a:spcBef>
-                <a:spcPts val="0"/>
-              </a:spcBef>
-              <a:buNone/>
-            </a:pPr>
-            <a:r>
-              <a:rPr lang="en-US" sz="2800" dirty="0" smtClean="0"/>
-              <a:t>Note that between each trial will be a cross “+”. The amount of time this “+” is on the screen will vary </a:t>
-            </a:r>
-            <a:r>
-              <a:rPr lang="en-US" sz="2800" dirty="0"/>
-              <a:t>throughout the task</a:t>
-            </a:r>
-            <a:r>
-              <a:rPr lang="en-US" sz="2800" dirty="0" smtClean="0"/>
-              <a:t>.</a:t>
+              <a:t>Note that between each trial will be a cross “+”. The amount of time this “+” is on the screen will vary throughout the task.</a:t>
             </a:r>
           </a:p>
           <a:p>
@@ -13516,7 +12899,7 @@
           </a:lstStyle>
           <a:p>
             <a:r>
-              <a:rPr lang="en-US" sz="1600" dirty="0" smtClean="0">
+              <a:rPr lang="en-US" sz="1600" dirty="0">
                 <a:solidFill>
                   <a:schemeClr val="bg2">
                     <a:lumMod val="20000"/>
@@ -13526,14 +12909,6 @@
               </a:rPr>
               <a:t>TOP</a:t>
             </a:r>
-            <a:endParaRPr lang="en-US" sz="1600" dirty="0">
-              <a:solidFill>
-                <a:schemeClr val="bg2">
-                  <a:lumMod val="20000"/>
-                  <a:lumOff val="80000"/>
-                </a:schemeClr>
-              </a:solidFill>
-            </a:endParaRPr>
           </a:p>
         </p:txBody>
       </p:sp>
@@ -13753,7 +13128,7 @@
           </a:lstStyle>
           <a:p>
             <a:r>
-              <a:rPr lang="en-US" sz="1600" dirty="0" smtClean="0">
+              <a:rPr lang="en-US" sz="1600" dirty="0">
                 <a:solidFill>
                   <a:schemeClr val="bg2">
                     <a:lumMod val="20000"/>
@@ -13763,14 +13138,6 @@
               </a:rPr>
               <a:t>TRIGGER</a:t>
             </a:r>
-            <a:endParaRPr lang="en-US" sz="1600" dirty="0">
-              <a:solidFill>
-                <a:schemeClr val="bg2">
-                  <a:lumMod val="20000"/>
-                  <a:lumOff val="80000"/>
-                </a:schemeClr>
-              </a:solidFill>
-            </a:endParaRPr>
           </a:p>
         </p:txBody>
       </p:sp>
@@ -13851,18 +13218,13 @@
           </a:lstStyle>
           <a:p>
             <a:r>
-              <a:rPr lang="en-US" sz="3000" dirty="0" smtClean="0">
+              <a:rPr lang="en-US" sz="3000" dirty="0">
                 <a:solidFill>
                   <a:srgbClr val="FF0000"/>
                 </a:solidFill>
               </a:rPr>
               <a:t>PRESS THE TRIGGER BUTTON TO CONTINUE</a:t>
             </a:r>
-            <a:endParaRPr lang="en-US" sz="3000" dirty="0">
-              <a:solidFill>
-                <a:srgbClr val="FF0000"/>
-              </a:solidFill>
-            </a:endParaRPr>
           </a:p>
         </p:txBody>
       </p:sp>
@@ -13876,13 +13238,6 @@
   <p:clrMapOvr>
     <a:masterClrMapping/>
   </p:clrMapOvr>
-  <p:timing>
-    <p:tnLst>
-      <p:par>
-        <p:cTn id="1" dur="indefinite" restart="never" nodeType="tmRoot"/>
-      </p:par>
-    </p:tnLst>
-  </p:timing>
 </p:sld>
 </file>
 
@@ -14019,11 +13374,7 @@
             </a:pPr>
             <a:r>
               <a:rPr lang="en-US" sz="2800" b="1" dirty="0"/>
-              <a:t>just so you can practice</a:t>
-            </a:r>
-            <a:r>
-              <a:rPr lang="en-US" sz="2800" b="1" dirty="0" smtClean="0"/>
-              <a:t>. </a:t>
+              <a:t>just so you can practice. </a:t>
             </a:r>
           </a:p>
           <a:p>
@@ -14043,12 +13394,8 @@
               <a:buNone/>
             </a:pPr>
             <a:r>
-              <a:rPr lang="en-US" sz="2800" b="1" dirty="0" smtClean="0"/>
-              <a:t>You </a:t>
-            </a:r>
-            <a:r>
               <a:rPr lang="en-US" sz="2800" b="1" dirty="0"/>
-              <a:t>will not win money based on this practice session, but you will be paid based on the amount you win inside the scanner.</a:t>
+              <a:t>You will not win money based on this practice session, but you will be paid based on the amount you win inside the scanner.</a:t>
             </a:r>
           </a:p>
           <a:p>
@@ -14059,10 +13406,9 @@
               <a:buNone/>
             </a:pPr>
             <a:r>
-              <a:rPr lang="en-US" sz="2800" dirty="0" smtClean="0"/>
+              <a:rPr lang="en-US" sz="2800" dirty="0"/>
               <a:t> </a:t>
             </a:r>
-            <a:endParaRPr lang="en-US" sz="2800" dirty="0"/>
           </a:p>
           <a:p>
             <a:pPr marL="0" marR="0" indent="0" algn="ctr">
@@ -14259,7 +13605,7 @@
           </a:lstStyle>
           <a:p>
             <a:r>
-              <a:rPr lang="en-US" sz="1600" dirty="0" smtClean="0">
+              <a:rPr lang="en-US" sz="1600" dirty="0">
                 <a:solidFill>
                   <a:schemeClr val="bg2">
                     <a:lumMod val="20000"/>
@@ -14269,14 +13615,6 @@
               </a:rPr>
               <a:t>TOP</a:t>
             </a:r>
-            <a:endParaRPr lang="en-US" sz="1600" dirty="0">
-              <a:solidFill>
-                <a:schemeClr val="bg2">
-                  <a:lumMod val="20000"/>
-                  <a:lumOff val="80000"/>
-                </a:schemeClr>
-              </a:solidFill>
-            </a:endParaRPr>
           </a:p>
         </p:txBody>
       </p:sp>
@@ -14496,7 +13834,7 @@
           </a:lstStyle>
           <a:p>
             <a:r>
-              <a:rPr lang="en-US" sz="1600" dirty="0" smtClean="0">
+              <a:rPr lang="en-US" sz="1600" dirty="0">
                 <a:solidFill>
                   <a:schemeClr val="bg2">
                     <a:lumMod val="20000"/>
@@ -14506,14 +13844,6 @@
               </a:rPr>
               <a:t>TRIGGER</a:t>
             </a:r>
-            <a:endParaRPr lang="en-US" sz="1600" dirty="0">
-              <a:solidFill>
-                <a:schemeClr val="bg2">
-                  <a:lumMod val="20000"/>
-                  <a:lumOff val="80000"/>
-                </a:schemeClr>
-              </a:solidFill>
-            </a:endParaRPr>
           </a:p>
         </p:txBody>
       </p:sp>
@@ -14594,18 +13924,13 @@
           </a:lstStyle>
           <a:p>
             <a:r>
-              <a:rPr lang="en-US" sz="3000" dirty="0" smtClean="0">
+              <a:rPr lang="en-US" sz="3000" dirty="0">
                 <a:solidFill>
                   <a:srgbClr val="FF0000"/>
                 </a:solidFill>
               </a:rPr>
               <a:t>PRESS THE TRIGGER BUTTON TO CONTINUE</a:t>
             </a:r>
-            <a:endParaRPr lang="en-US" sz="3000" dirty="0">
-              <a:solidFill>
-                <a:srgbClr val="FF0000"/>
-              </a:solidFill>
-            </a:endParaRPr>
           </a:p>
         </p:txBody>
       </p:sp>
@@ -14619,13 +13944,6 @@
   <p:clrMapOvr>
     <a:masterClrMapping/>
   </p:clrMapOvr>
-  <p:timing>
-    <p:tnLst>
-      <p:par>
-        <p:cTn id="1" dur="indefinite" restart="never" nodeType="tmRoot"/>
-      </p:par>
-    </p:tnLst>
-  </p:timing>
 </p:sld>
 </file>
 
@@ -14669,10 +13987,9 @@
           <a:lstStyle/>
           <a:p>
             <a:r>
-              <a:rPr lang="en-US" dirty="0" smtClean="0"/>
+              <a:rPr lang="en-US" dirty="0"/>
               <a:t>Press the trigger button when you are ready to begin.</a:t>
             </a:r>
-            <a:endParaRPr lang="en-US" dirty="0"/>
           </a:p>
         </p:txBody>
       </p:sp>
@@ -14854,7 +14171,7 @@
           </a:lstStyle>
           <a:p>
             <a:r>
-              <a:rPr lang="en-US" sz="1600" dirty="0" smtClean="0">
+              <a:rPr lang="en-US" sz="1600" dirty="0">
                 <a:solidFill>
                   <a:schemeClr val="bg2">
                     <a:lumMod val="20000"/>
@@ -14864,14 +14181,6 @@
               </a:rPr>
               <a:t>TRIGGER</a:t>
             </a:r>
-            <a:endParaRPr lang="en-US" sz="1600" dirty="0">
-              <a:solidFill>
-                <a:schemeClr val="bg2">
-                  <a:lumMod val="20000"/>
-                  <a:lumOff val="80000"/>
-                </a:schemeClr>
-              </a:solidFill>
-            </a:endParaRPr>
           </a:p>
         </p:txBody>
       </p:sp>
@@ -15091,7 +14400,7 @@
           </a:lstStyle>
           <a:p>
             <a:r>
-              <a:rPr lang="en-US" sz="1600" dirty="0" smtClean="0">
+              <a:rPr lang="en-US" sz="1600" dirty="0">
                 <a:solidFill>
                   <a:schemeClr val="bg2">
                     <a:lumMod val="20000"/>
@@ -15101,14 +14410,6 @@
               </a:rPr>
               <a:t>TOP</a:t>
             </a:r>
-            <a:endParaRPr lang="en-US" sz="1600" dirty="0">
-              <a:solidFill>
-                <a:schemeClr val="bg2">
-                  <a:lumMod val="20000"/>
-                  <a:lumOff val="80000"/>
-                </a:schemeClr>
-              </a:solidFill>
-            </a:endParaRPr>
           </a:p>
         </p:txBody>
       </p:sp>
@@ -15189,18 +14490,13 @@
           </a:lstStyle>
           <a:p>
             <a:r>
-              <a:rPr lang="en-US" sz="3000" dirty="0" smtClean="0">
+              <a:rPr lang="en-US" sz="3000" dirty="0">
                 <a:solidFill>
                   <a:srgbClr val="FF0000"/>
                 </a:solidFill>
               </a:rPr>
               <a:t>PRESS THE TRIGGER BUTTON TO CONTINUE</a:t>
             </a:r>
-            <a:endParaRPr lang="en-US" sz="3000" dirty="0">
-              <a:solidFill>
-                <a:srgbClr val="FF0000"/>
-              </a:solidFill>
-            </a:endParaRPr>
           </a:p>
         </p:txBody>
       </p:sp>
@@ -15214,13 +14510,522 @@
   <p:clrMapOvr>
     <a:masterClrMapping/>
   </p:clrMapOvr>
-  <p:timing>
-    <p:tnLst>
-      <p:par>
-        <p:cTn id="1" dur="indefinite" restart="never" nodeType="tmRoot"/>
-      </p:par>
-    </p:tnLst>
-  </p:timing>
+</p:sld>
+</file>
+
+<file path=ppt/slides/slide24.xml><?xml version="1.0" encoding="utf-8"?>
+<p:sld xmlns:a="http://schemas.openxmlformats.org/drawingml/2006/main" xmlns:r="http://schemas.openxmlformats.org/officeDocument/2006/relationships" xmlns:p="http://schemas.openxmlformats.org/presentationml/2006/main">
+  <p:cSld>
+    <p:spTree>
+      <p:nvGrpSpPr>
+        <p:cNvPr id="1" name=""/>
+        <p:cNvGrpSpPr/>
+        <p:nvPr/>
+      </p:nvGrpSpPr>
+      <p:grpSpPr>
+        <a:xfrm>
+          <a:off x="0" y="0"/>
+          <a:ext cx="0" cy="0"/>
+          <a:chOff x="0" y="0"/>
+          <a:chExt cx="0" cy="0"/>
+        </a:xfrm>
+      </p:grpSpPr>
+      <p:sp>
+        <p:nvSpPr>
+          <p:cNvPr id="4" name="Title 3"/>
+          <p:cNvSpPr>
+            <a:spLocks noGrp="1"/>
+          </p:cNvSpPr>
+          <p:nvPr>
+            <p:ph type="ctrTitle"/>
+          </p:nvPr>
+        </p:nvSpPr>
+        <p:spPr>
+          <a:xfrm>
+            <a:off x="345487" y="422275"/>
+            <a:ext cx="8458200" cy="1470025"/>
+          </a:xfrm>
+        </p:spPr>
+        <p:txBody>
+          <a:bodyPr>
+            <a:normAutofit/>
+          </a:bodyPr>
+          <a:lstStyle/>
+          <a:p>
+            <a:r>
+              <a:rPr lang="en-US" sz="5400" dirty="0"/>
+              <a:t>Runway Task</a:t>
+            </a:r>
+          </a:p>
+        </p:txBody>
+      </p:sp>
+      <p:sp>
+        <p:nvSpPr>
+          <p:cNvPr id="8" name="Subtitle 8"/>
+          <p:cNvSpPr txBox="1">
+            <a:spLocks/>
+          </p:cNvSpPr>
+          <p:nvPr/>
+        </p:nvSpPr>
+        <p:spPr>
+          <a:xfrm>
+            <a:off x="7616345" y="6073844"/>
+            <a:ext cx="1532830" cy="801636"/>
+          </a:xfrm>
+          <a:prstGeom prst="rect">
+            <a:avLst/>
+          </a:prstGeom>
+        </p:spPr>
+        <p:txBody>
+          <a:bodyPr vert="horz" lIns="91440" tIns="45720" rIns="91440" bIns="45720" rtlCol="0">
+            <a:normAutofit/>
+          </a:bodyPr>
+          <a:lstStyle>
+            <a:lvl1pPr marL="0" indent="0" algn="ctr" defTabSz="914400" rtl="0" eaLnBrk="1" latinLnBrk="0" hangingPunct="1">
+              <a:spcBef>
+                <a:spcPct val="20000"/>
+              </a:spcBef>
+              <a:buFont typeface="Arial" pitchFamily="34" charset="0"/>
+              <a:buNone/>
+              <a:defRPr sz="3200" kern="1200">
+                <a:solidFill>
+                  <a:schemeClr val="tx1">
+                    <a:tint val="75000"/>
+                  </a:schemeClr>
+                </a:solidFill>
+                <a:latin typeface="+mn-lt"/>
+                <a:ea typeface="+mn-ea"/>
+                <a:cs typeface="+mn-cs"/>
+              </a:defRPr>
+            </a:lvl1pPr>
+            <a:lvl2pPr marL="457200" indent="0" algn="ctr" defTabSz="914400" rtl="0" eaLnBrk="1" latinLnBrk="0" hangingPunct="1">
+              <a:spcBef>
+                <a:spcPct val="20000"/>
+              </a:spcBef>
+              <a:buFont typeface="Arial" pitchFamily="34" charset="0"/>
+              <a:buNone/>
+              <a:defRPr sz="2800" kern="1200">
+                <a:solidFill>
+                  <a:schemeClr val="tx1">
+                    <a:tint val="75000"/>
+                  </a:schemeClr>
+                </a:solidFill>
+                <a:latin typeface="+mn-lt"/>
+                <a:ea typeface="+mn-ea"/>
+                <a:cs typeface="+mn-cs"/>
+              </a:defRPr>
+            </a:lvl2pPr>
+            <a:lvl3pPr marL="914400" indent="0" algn="ctr" defTabSz="914400" rtl="0" eaLnBrk="1" latinLnBrk="0" hangingPunct="1">
+              <a:spcBef>
+                <a:spcPct val="20000"/>
+              </a:spcBef>
+              <a:buFont typeface="Arial" pitchFamily="34" charset="0"/>
+              <a:buNone/>
+              <a:defRPr sz="2400" kern="1200">
+                <a:solidFill>
+                  <a:schemeClr val="tx1">
+                    <a:tint val="75000"/>
+                  </a:schemeClr>
+                </a:solidFill>
+                <a:latin typeface="+mn-lt"/>
+                <a:ea typeface="+mn-ea"/>
+                <a:cs typeface="+mn-cs"/>
+              </a:defRPr>
+            </a:lvl3pPr>
+            <a:lvl4pPr marL="1371600" indent="0" algn="ctr" defTabSz="914400" rtl="0" eaLnBrk="1" latinLnBrk="0" hangingPunct="1">
+              <a:spcBef>
+                <a:spcPct val="20000"/>
+              </a:spcBef>
+              <a:buFont typeface="Arial" pitchFamily="34" charset="0"/>
+              <a:buNone/>
+              <a:defRPr sz="2000" kern="1200">
+                <a:solidFill>
+                  <a:schemeClr val="tx1">
+                    <a:tint val="75000"/>
+                  </a:schemeClr>
+                </a:solidFill>
+                <a:latin typeface="+mn-lt"/>
+                <a:ea typeface="+mn-ea"/>
+                <a:cs typeface="+mn-cs"/>
+              </a:defRPr>
+            </a:lvl4pPr>
+            <a:lvl5pPr marL="1828800" indent="0" algn="ctr" defTabSz="914400" rtl="0" eaLnBrk="1" latinLnBrk="0" hangingPunct="1">
+              <a:spcBef>
+                <a:spcPct val="20000"/>
+              </a:spcBef>
+              <a:buFont typeface="Arial" pitchFamily="34" charset="0"/>
+              <a:buNone/>
+              <a:defRPr sz="2000" kern="1200">
+                <a:solidFill>
+                  <a:schemeClr val="tx1">
+                    <a:tint val="75000"/>
+                  </a:schemeClr>
+                </a:solidFill>
+                <a:latin typeface="+mn-lt"/>
+                <a:ea typeface="+mn-ea"/>
+                <a:cs typeface="+mn-cs"/>
+              </a:defRPr>
+            </a:lvl5pPr>
+            <a:lvl6pPr marL="2286000" indent="0" algn="ctr" defTabSz="914400" rtl="0" eaLnBrk="1" latinLnBrk="0" hangingPunct="1">
+              <a:spcBef>
+                <a:spcPct val="20000"/>
+              </a:spcBef>
+              <a:buFont typeface="Arial" pitchFamily="34" charset="0"/>
+              <a:buNone/>
+              <a:defRPr sz="2000" kern="1200">
+                <a:solidFill>
+                  <a:schemeClr val="tx1">
+                    <a:tint val="75000"/>
+                  </a:schemeClr>
+                </a:solidFill>
+                <a:latin typeface="+mn-lt"/>
+                <a:ea typeface="+mn-ea"/>
+                <a:cs typeface="+mn-cs"/>
+              </a:defRPr>
+            </a:lvl6pPr>
+            <a:lvl7pPr marL="2743200" indent="0" algn="ctr" defTabSz="914400" rtl="0" eaLnBrk="1" latinLnBrk="0" hangingPunct="1">
+              <a:spcBef>
+                <a:spcPct val="20000"/>
+              </a:spcBef>
+              <a:buFont typeface="Arial" pitchFamily="34" charset="0"/>
+              <a:buNone/>
+              <a:defRPr sz="2000" kern="1200">
+                <a:solidFill>
+                  <a:schemeClr val="tx1">
+                    <a:tint val="75000"/>
+                  </a:schemeClr>
+                </a:solidFill>
+                <a:latin typeface="+mn-lt"/>
+                <a:ea typeface="+mn-ea"/>
+                <a:cs typeface="+mn-cs"/>
+              </a:defRPr>
+            </a:lvl7pPr>
+            <a:lvl8pPr marL="3200400" indent="0" algn="ctr" defTabSz="914400" rtl="0" eaLnBrk="1" latinLnBrk="0" hangingPunct="1">
+              <a:spcBef>
+                <a:spcPct val="20000"/>
+              </a:spcBef>
+              <a:buFont typeface="Arial" pitchFamily="34" charset="0"/>
+              <a:buNone/>
+              <a:defRPr sz="2000" kern="1200">
+                <a:solidFill>
+                  <a:schemeClr val="tx1">
+                    <a:tint val="75000"/>
+                  </a:schemeClr>
+                </a:solidFill>
+                <a:latin typeface="+mn-lt"/>
+                <a:ea typeface="+mn-ea"/>
+                <a:cs typeface="+mn-cs"/>
+              </a:defRPr>
+            </a:lvl8pPr>
+            <a:lvl9pPr marL="3657600" indent="0" algn="ctr" defTabSz="914400" rtl="0" eaLnBrk="1" latinLnBrk="0" hangingPunct="1">
+              <a:spcBef>
+                <a:spcPct val="20000"/>
+              </a:spcBef>
+              <a:buFont typeface="Arial" pitchFamily="34" charset="0"/>
+              <a:buNone/>
+              <a:defRPr sz="2000" kern="1200">
+                <a:solidFill>
+                  <a:schemeClr val="tx1">
+                    <a:tint val="75000"/>
+                  </a:schemeClr>
+                </a:solidFill>
+                <a:latin typeface="+mn-lt"/>
+                <a:ea typeface="+mn-ea"/>
+                <a:cs typeface="+mn-cs"/>
+              </a:defRPr>
+            </a:lvl9pPr>
+          </a:lstStyle>
+          <a:p>
+            <a:r>
+              <a:rPr lang="en-US" sz="1600" dirty="0">
+                <a:solidFill>
+                  <a:schemeClr val="bg2">
+                    <a:lumMod val="20000"/>
+                    <a:lumOff val="80000"/>
+                  </a:schemeClr>
+                </a:solidFill>
+              </a:rPr>
+              <a:t>TRIGGER</a:t>
+            </a:r>
+          </a:p>
+        </p:txBody>
+      </p:sp>
+      <p:sp>
+        <p:nvSpPr>
+          <p:cNvPr id="9" name="Right Arrow 8"/>
+          <p:cNvSpPr/>
+          <p:nvPr/>
+        </p:nvSpPr>
+        <p:spPr>
+          <a:xfrm>
+            <a:off x="8113318" y="6391826"/>
+            <a:ext cx="640200" cy="289763"/>
+          </a:xfrm>
+          <a:prstGeom prst="rightArrow">
+            <a:avLst/>
+          </a:prstGeom>
+        </p:spPr>
+        <p:style>
+          <a:lnRef idx="1">
+            <a:schemeClr val="accent1"/>
+          </a:lnRef>
+          <a:fillRef idx="3">
+            <a:schemeClr val="accent1"/>
+          </a:fillRef>
+          <a:effectRef idx="2">
+            <a:schemeClr val="accent1"/>
+          </a:effectRef>
+          <a:fontRef idx="minor">
+            <a:schemeClr val="lt1"/>
+          </a:fontRef>
+        </p:style>
+        <p:txBody>
+          <a:bodyPr rtlCol="0" anchor="ctr"/>
+          <a:lstStyle/>
+          <a:p>
+            <a:pPr algn="ctr"/>
+            <a:endParaRPr lang="en-US"/>
+          </a:p>
+        </p:txBody>
+      </p:sp>
+      <p:sp>
+        <p:nvSpPr>
+          <p:cNvPr id="10" name="Title 3"/>
+          <p:cNvSpPr txBox="1">
+            <a:spLocks/>
+          </p:cNvSpPr>
+          <p:nvPr/>
+        </p:nvSpPr>
+        <p:spPr>
+          <a:xfrm>
+            <a:off x="0" y="6201294"/>
+            <a:ext cx="9149174" cy="656705"/>
+          </a:xfrm>
+          <a:prstGeom prst="rect">
+            <a:avLst/>
+          </a:prstGeom>
+        </p:spPr>
+        <p:txBody>
+          <a:bodyPr vert="horz" lIns="91440" tIns="45720" rIns="91440" bIns="45720" rtlCol="0" anchor="ctr">
+            <a:normAutofit/>
+          </a:bodyPr>
+          <a:lstStyle>
+            <a:lvl1pPr algn="ctr" defTabSz="914400" rtl="0" eaLnBrk="1" latinLnBrk="0" hangingPunct="1">
+              <a:spcBef>
+                <a:spcPct val="0"/>
+              </a:spcBef>
+              <a:buNone/>
+              <a:defRPr sz="4400" kern="1200">
+                <a:solidFill>
+                  <a:schemeClr val="tx1"/>
+                </a:solidFill>
+                <a:latin typeface="+mj-lt"/>
+                <a:ea typeface="+mj-ea"/>
+                <a:cs typeface="+mj-cs"/>
+              </a:defRPr>
+            </a:lvl1pPr>
+          </a:lstStyle>
+          <a:p>
+            <a:r>
+              <a:rPr lang="en-US" sz="3000" dirty="0">
+                <a:solidFill>
+                  <a:srgbClr val="FF0000"/>
+                </a:solidFill>
+              </a:rPr>
+              <a:t>PRESS THE TRIGGER BUTTON TO CONTINUE</a:t>
+            </a:r>
+          </a:p>
+        </p:txBody>
+      </p:sp>
+      <p:grpSp>
+        <p:nvGrpSpPr>
+          <p:cNvPr id="6" name="Group 5"/>
+          <p:cNvGrpSpPr/>
+          <p:nvPr/>
+        </p:nvGrpSpPr>
+        <p:grpSpPr>
+          <a:xfrm>
+            <a:off x="818570" y="2256463"/>
+            <a:ext cx="7564190" cy="3717674"/>
+            <a:chOff x="441006" y="2748221"/>
+            <a:chExt cx="7564190" cy="3717674"/>
+          </a:xfrm>
+        </p:grpSpPr>
+        <p:pic>
+          <p:nvPicPr>
+            <p:cNvPr id="7" name="Picture 6"/>
+            <p:cNvPicPr>
+              <a:picLocks noChangeAspect="1"/>
+            </p:cNvPicPr>
+            <p:nvPr/>
+          </p:nvPicPr>
+          <p:blipFill>
+            <a:blip r:embed="rId3"/>
+            <a:stretch>
+              <a:fillRect/>
+            </a:stretch>
+          </p:blipFill>
+          <p:spPr>
+            <a:xfrm>
+              <a:off x="2599891" y="2748221"/>
+              <a:ext cx="3246420" cy="3717674"/>
+            </a:xfrm>
+            <a:prstGeom prst="rect">
+              <a:avLst/>
+            </a:prstGeom>
+          </p:spPr>
+        </p:pic>
+        <p:sp>
+          <p:nvSpPr>
+            <p:cNvPr id="11" name="TextBox 10"/>
+            <p:cNvSpPr txBox="1"/>
+            <p:nvPr/>
+          </p:nvSpPr>
+          <p:spPr>
+            <a:xfrm>
+              <a:off x="6753381" y="2748221"/>
+              <a:ext cx="1251815" cy="369332"/>
+            </a:xfrm>
+            <a:prstGeom prst="rect">
+              <a:avLst/>
+            </a:prstGeom>
+            <a:noFill/>
+            <a:ln>
+              <a:solidFill>
+                <a:schemeClr val="tx1"/>
+              </a:solidFill>
+            </a:ln>
+          </p:spPr>
+          <p:txBody>
+            <a:bodyPr wrap="none" rtlCol="0">
+              <a:spAutoFit/>
+            </a:bodyPr>
+            <a:lstStyle/>
+            <a:p>
+              <a:r>
+                <a:rPr lang="en-US" b="1" dirty="0"/>
+                <a:t>Top Button</a:t>
+              </a:r>
+            </a:p>
+          </p:txBody>
+        </p:sp>
+        <p:sp>
+          <p:nvSpPr>
+            <p:cNvPr id="12" name="TextBox 11"/>
+            <p:cNvSpPr txBox="1"/>
+            <p:nvPr/>
+          </p:nvSpPr>
+          <p:spPr>
+            <a:xfrm>
+              <a:off x="441006" y="2748221"/>
+              <a:ext cx="1559742" cy="369332"/>
+            </a:xfrm>
+            <a:prstGeom prst="rect">
+              <a:avLst/>
+            </a:prstGeom>
+            <a:noFill/>
+            <a:ln>
+              <a:solidFill>
+                <a:schemeClr val="tx1"/>
+              </a:solidFill>
+            </a:ln>
+          </p:spPr>
+          <p:txBody>
+            <a:bodyPr wrap="none" rtlCol="0">
+              <a:spAutoFit/>
+            </a:bodyPr>
+            <a:lstStyle/>
+            <a:p>
+              <a:r>
+                <a:rPr lang="en-US" b="1" dirty="0"/>
+                <a:t>Trigger Button</a:t>
+              </a:r>
+            </a:p>
+          </p:txBody>
+        </p:sp>
+        <p:cxnSp>
+          <p:nvCxnSpPr>
+            <p:cNvPr id="13" name="Straight Arrow Connector 12"/>
+            <p:cNvCxnSpPr/>
+            <p:nvPr/>
+          </p:nvCxnSpPr>
+          <p:spPr>
+            <a:xfrm>
+              <a:off x="2000748" y="2944420"/>
+              <a:ext cx="1654928" cy="654166"/>
+            </a:xfrm>
+            <a:prstGeom prst="straightConnector1">
+              <a:avLst/>
+            </a:prstGeom>
+            <a:ln>
+              <a:solidFill>
+                <a:srgbClr val="FF0000"/>
+              </a:solidFill>
+              <a:tailEnd type="arrow"/>
+            </a:ln>
+          </p:spPr>
+          <p:style>
+            <a:lnRef idx="2">
+              <a:schemeClr val="accent1"/>
+            </a:lnRef>
+            <a:fillRef idx="0">
+              <a:schemeClr val="accent1"/>
+            </a:fillRef>
+            <a:effectRef idx="1">
+              <a:schemeClr val="accent1"/>
+            </a:effectRef>
+            <a:fontRef idx="minor">
+              <a:schemeClr val="tx1"/>
+            </a:fontRef>
+          </p:style>
+        </p:cxnSp>
+        <p:cxnSp>
+          <p:nvCxnSpPr>
+            <p:cNvPr id="14" name="Straight Arrow Connector 13"/>
+            <p:cNvCxnSpPr/>
+            <p:nvPr/>
+          </p:nvCxnSpPr>
+          <p:spPr>
+            <a:xfrm flipH="1">
+              <a:off x="4078965" y="2944420"/>
+              <a:ext cx="2674416" cy="173133"/>
+            </a:xfrm>
+            <a:prstGeom prst="straightConnector1">
+              <a:avLst/>
+            </a:prstGeom>
+            <a:ln>
+              <a:solidFill>
+                <a:srgbClr val="FF0000"/>
+              </a:solidFill>
+              <a:tailEnd type="arrow"/>
+            </a:ln>
+          </p:spPr>
+          <p:style>
+            <a:lnRef idx="2">
+              <a:schemeClr val="accent1"/>
+            </a:lnRef>
+            <a:fillRef idx="0">
+              <a:schemeClr val="accent1"/>
+            </a:fillRef>
+            <a:effectRef idx="1">
+              <a:schemeClr val="accent1"/>
+            </a:effectRef>
+            <a:fontRef idx="minor">
+              <a:schemeClr val="tx1"/>
+            </a:fontRef>
+          </p:style>
+        </p:cxnSp>
+      </p:grpSp>
+    </p:spTree>
+    <p:extLst>
+      <p:ext uri="{BB962C8B-B14F-4D97-AF65-F5344CB8AC3E}">
+        <p14:creationId xmlns:p14="http://schemas.microsoft.com/office/powerpoint/2010/main" val="401525900"/>
+      </p:ext>
+    </p:extLst>
+  </p:cSld>
+  <p:clrMapOvr>
+    <a:masterClrMapping/>
+  </p:clrMapOvr>
 </p:sld>
 </file>
 
@@ -15379,72 +15184,26 @@
                 <a:ea typeface="Calibri"/>
                 <a:cs typeface="Times New Roman"/>
               </a:rPr>
-              <a:t>The rectangle represents </a:t>
-            </a:r>
-            <a:r>
-              <a:rPr lang="en-US" sz="2800" dirty="0" smtClean="0">
-                <a:ea typeface="Calibri"/>
-                <a:cs typeface="Times New Roman"/>
-              </a:rPr>
-              <a:t>the amount </a:t>
-            </a:r>
+              <a:t>The rectangle represents the amount of money</a:t>
+            </a:r>
+          </a:p>
+          <a:p>
+            <a:pPr marL="0" marR="0" indent="0" algn="ctr">
+              <a:spcBef>
+                <a:spcPts val="0"/>
+              </a:spcBef>
+              <a:spcAft>
+                <a:spcPts val="0"/>
+              </a:spcAft>
+              <a:buNone/>
+            </a:pPr>
             <a:r>
               <a:rPr lang="en-US" sz="2800" dirty="0">
                 <a:ea typeface="Calibri"/>
                 <a:cs typeface="Times New Roman"/>
               </a:rPr>
-              <a:t>of </a:t>
-            </a:r>
-            <a:r>
-              <a:rPr lang="en-US" sz="2800" dirty="0" smtClean="0">
-                <a:ea typeface="Calibri"/>
-                <a:cs typeface="Times New Roman"/>
-              </a:rPr>
-              <a:t>money</a:t>
-            </a:r>
-          </a:p>
-          <a:p>
-            <a:pPr marL="0" marR="0" indent="0" algn="ctr">
-              <a:spcBef>
-                <a:spcPts val="0"/>
-              </a:spcBef>
-              <a:spcAft>
-                <a:spcPts val="0"/>
-              </a:spcAft>
-              <a:buNone/>
-            </a:pPr>
-            <a:r>
-              <a:rPr lang="en-US" sz="2800" dirty="0" smtClean="0">
-                <a:ea typeface="Calibri"/>
-                <a:cs typeface="Times New Roman"/>
-              </a:rPr>
-              <a:t>to </a:t>
-            </a:r>
-            <a:r>
-              <a:rPr lang="en-US" sz="2800" dirty="0">
-                <a:ea typeface="Calibri"/>
-                <a:cs typeface="Times New Roman"/>
-              </a:rPr>
-              <a:t>be </a:t>
-            </a:r>
-            <a:r>
-              <a:rPr lang="en-US" sz="2800" dirty="0" smtClean="0">
-                <a:ea typeface="Calibri"/>
-                <a:cs typeface="Times New Roman"/>
-              </a:rPr>
-              <a:t>rewarded </a:t>
-            </a:r>
-            <a:r>
-              <a:rPr lang="en-US" sz="2800" dirty="0">
-                <a:ea typeface="Calibri"/>
-                <a:cs typeface="Times New Roman"/>
-              </a:rPr>
-              <a:t>for that outcome. </a:t>
-            </a:r>
-            <a:endParaRPr lang="en-US" sz="2800" dirty="0" smtClean="0">
-              <a:ea typeface="Calibri"/>
-              <a:cs typeface="Times New Roman"/>
-            </a:endParaRPr>
+              <a:t>to be rewarded for that outcome. </a:t>
+            </a:r>
           </a:p>
           <a:p>
             <a:pPr marL="0" marR="0" indent="0" algn="ctr">
@@ -15472,18 +15231,11 @@
               <a:buNone/>
             </a:pPr>
             <a:r>
-              <a:rPr lang="en-US" sz="2800" dirty="0" smtClean="0">
-                <a:ea typeface="Calibri"/>
-                <a:cs typeface="Times New Roman"/>
-              </a:rPr>
-              <a:t>If </a:t>
-            </a:r>
-            <a:r>
               <a:rPr lang="en-US" sz="2800" dirty="0">
                 <a:ea typeface="Calibri"/>
                 <a:cs typeface="Times New Roman"/>
               </a:rPr>
-              <a:t>there is no </a:t>
+              <a:t>If there is no </a:t>
             </a:r>
             <a:r>
               <a:rPr lang="en-US" sz="2800" dirty="0">
@@ -15500,26 +15252,8 @@
                 <a:ea typeface="Calibri"/>
                 <a:cs typeface="Times New Roman"/>
               </a:rPr>
-              <a:t> in the rectangle, that equals 0 </a:t>
-            </a:r>
-            <a:r>
-              <a:rPr lang="en-US" sz="2800" dirty="0" smtClean="0">
-                <a:ea typeface="Calibri"/>
-                <a:cs typeface="Times New Roman"/>
-              </a:rPr>
-              <a:t>cents</a:t>
-            </a:r>
-            <a:r>
-              <a:rPr lang="en-US" sz="2800" dirty="0">
-                <a:ea typeface="Calibri"/>
-                <a:cs typeface="Times New Roman"/>
-              </a:rPr>
-              <a:t>. </a:t>
-            </a:r>
-            <a:endParaRPr lang="en-US" sz="2800" dirty="0" smtClean="0">
-              <a:ea typeface="Calibri"/>
-              <a:cs typeface="Times New Roman"/>
-            </a:endParaRPr>
+              <a:t> in the rectangle, that equals 0 cents. </a:t>
+            </a:r>
           </a:p>
           <a:p>
             <a:pPr marL="0" marR="0" indent="0" algn="ctr">
@@ -15547,18 +15281,11 @@
               <a:buNone/>
             </a:pPr>
             <a:r>
-              <a:rPr lang="en-US" sz="2800" dirty="0" smtClean="0">
-                <a:ea typeface="Calibri"/>
-                <a:cs typeface="Times New Roman"/>
-              </a:rPr>
-              <a:t>The </a:t>
-            </a:r>
-            <a:r>
               <a:rPr lang="en-US" sz="2800" dirty="0">
                 <a:ea typeface="Calibri"/>
                 <a:cs typeface="Times New Roman"/>
               </a:rPr>
-              <a:t>more </a:t>
+              <a:t>The more </a:t>
             </a:r>
             <a:r>
               <a:rPr lang="en-US" sz="2800" dirty="0">
@@ -15575,28 +15302,7 @@
                 <a:ea typeface="Calibri"/>
                 <a:cs typeface="Times New Roman"/>
               </a:rPr>
-              <a:t>, the more </a:t>
-            </a:r>
-            <a:r>
-              <a:rPr lang="en-US" sz="2800" dirty="0" smtClean="0">
-                <a:ea typeface="Calibri"/>
-                <a:cs typeface="Times New Roman"/>
-              </a:rPr>
-              <a:t>money is awarded </a:t>
-            </a:r>
-            <a:r>
-              <a:rPr lang="en-US" sz="2800" dirty="0">
-                <a:ea typeface="Calibri"/>
-                <a:cs typeface="Times New Roman"/>
-              </a:rPr>
-              <a:t>for that outcome</a:t>
-            </a:r>
-            <a:r>
-              <a:rPr lang="en-US" sz="2800" dirty="0" smtClean="0">
-                <a:ea typeface="Calibri"/>
-                <a:cs typeface="Times New Roman"/>
-              </a:rPr>
-              <a:t>.</a:t>
+              <a:t>, the more money is awarded for that outcome.</a:t>
             </a:r>
           </a:p>
           <a:p>
@@ -15640,16 +15346,12 @@
               <a:buNone/>
             </a:pPr>
             <a:r>
-              <a:rPr lang="en-US" sz="2800" dirty="0" smtClean="0">
+              <a:rPr lang="en-US" sz="2800" dirty="0">
                 <a:ea typeface="Calibri"/>
                 <a:cs typeface="Times New Roman"/>
               </a:rPr>
               <a:t>  </a:t>
             </a:r>
-            <a:endParaRPr lang="en-US" sz="2800" dirty="0">
-              <a:ea typeface="Calibri"/>
-              <a:cs typeface="Times New Roman"/>
-            </a:endParaRPr>
           </a:p>
           <a:p>
             <a:pPr marL="0" marR="0" indent="0" algn="ctr">
@@ -15697,24 +15399,23 @@
           <a:p>
             <a:pPr algn="ctr"/>
             <a:r>
-              <a:rPr lang="en-US" sz="1400" dirty="0" smtClean="0"/>
+              <a:rPr lang="en-US" sz="1400" dirty="0"/>
               <a:t>If the outcome associated </a:t>
             </a:r>
           </a:p>
           <a:p>
             <a:pPr algn="ctr"/>
             <a:r>
-              <a:rPr lang="en-US" sz="1400" dirty="0" smtClean="0"/>
+              <a:rPr lang="en-US" sz="1400" dirty="0"/>
               <a:t>with this side occurred, </a:t>
             </a:r>
           </a:p>
           <a:p>
             <a:pPr algn="ctr"/>
             <a:r>
-              <a:rPr lang="en-US" sz="1400" dirty="0" smtClean="0"/>
+              <a:rPr lang="en-US" sz="1400" dirty="0"/>
               <a:t>you would get 0 cents</a:t>
             </a:r>
-            <a:endParaRPr lang="en-US" sz="1400" dirty="0"/>
           </a:p>
         </p:txBody>
       </p:sp>
@@ -15747,24 +15448,23 @@
           <a:p>
             <a:pPr algn="ctr"/>
             <a:r>
-              <a:rPr lang="en-US" sz="1400" dirty="0" smtClean="0"/>
+              <a:rPr lang="en-US" sz="1400" dirty="0"/>
               <a:t>If the outcome associated </a:t>
             </a:r>
           </a:p>
           <a:p>
             <a:pPr algn="ctr"/>
             <a:r>
-              <a:rPr lang="en-US" sz="1400" dirty="0" smtClean="0"/>
+              <a:rPr lang="en-US" sz="1400" dirty="0"/>
               <a:t>with this side occurred, </a:t>
             </a:r>
           </a:p>
           <a:p>
             <a:pPr algn="ctr"/>
             <a:r>
-              <a:rPr lang="en-US" sz="1400" dirty="0" smtClean="0"/>
+              <a:rPr lang="en-US" sz="1400" dirty="0"/>
               <a:t>you would get a few cents.</a:t>
             </a:r>
-            <a:endParaRPr lang="en-US" sz="1400" dirty="0"/>
           </a:p>
         </p:txBody>
       </p:sp>
@@ -16032,7 +15732,7 @@
           </a:lstStyle>
           <a:p>
             <a:r>
-              <a:rPr lang="en-US" sz="1600" dirty="0" smtClean="0">
+              <a:rPr lang="en-US" sz="1600" dirty="0">
                 <a:solidFill>
                   <a:schemeClr val="bg2">
                     <a:lumMod val="20000"/>
@@ -16042,14 +15742,6 @@
               </a:rPr>
               <a:t>TOP</a:t>
             </a:r>
-            <a:endParaRPr lang="en-US" sz="1600" dirty="0">
-              <a:solidFill>
-                <a:schemeClr val="bg2">
-                  <a:lumMod val="20000"/>
-                  <a:lumOff val="80000"/>
-                </a:schemeClr>
-              </a:solidFill>
-            </a:endParaRPr>
           </a:p>
         </p:txBody>
       </p:sp>
@@ -16269,7 +15961,7 @@
           </a:lstStyle>
           <a:p>
             <a:r>
-              <a:rPr lang="en-US" sz="1600" dirty="0" smtClean="0">
+              <a:rPr lang="en-US" sz="1600" dirty="0">
                 <a:solidFill>
                   <a:schemeClr val="bg2">
                     <a:lumMod val="20000"/>
@@ -16279,14 +15971,6 @@
               </a:rPr>
               <a:t>TRIGGER</a:t>
             </a:r>
-            <a:endParaRPr lang="en-US" sz="1600" dirty="0">
-              <a:solidFill>
-                <a:schemeClr val="bg2">
-                  <a:lumMod val="20000"/>
-                  <a:lumOff val="80000"/>
-                </a:schemeClr>
-              </a:solidFill>
-            </a:endParaRPr>
           </a:p>
         </p:txBody>
       </p:sp>
@@ -16367,34 +16051,13 @@
           </a:lstStyle>
           <a:p>
             <a:r>
-              <a:rPr lang="en-US" sz="3000" dirty="0" smtClean="0">
+              <a:rPr lang="en-US" sz="3000" dirty="0">
                 <a:solidFill>
                   <a:srgbClr val="FF0000"/>
                 </a:solidFill>
               </a:rPr>
-              <a:t>PRESS THE </a:t>
-            </a:r>
-            <a:r>
-              <a:rPr lang="en-US" sz="3000" dirty="0">
-                <a:solidFill>
-                  <a:srgbClr val="FF0000"/>
-                </a:solidFill>
-              </a:rPr>
-              <a:t>TRIGGER BUTTON TO </a:t>
-            </a:r>
-            <a:r>
-              <a:rPr lang="en-US" sz="3000" dirty="0" smtClean="0">
-                <a:solidFill>
-                  <a:srgbClr val="FF0000"/>
-                </a:solidFill>
-              </a:rPr>
-              <a:t>CONTINUE</a:t>
-            </a:r>
-            <a:endParaRPr lang="en-US" sz="3000" dirty="0">
-              <a:solidFill>
-                <a:srgbClr val="FF0000"/>
-              </a:solidFill>
-            </a:endParaRPr>
+              <a:t>PRESS THE TRIGGER BUTTON TO CONTINUE</a:t>
+            </a:r>
           </a:p>
         </p:txBody>
       </p:sp>
@@ -16408,13 +16071,6 @@
   <p:clrMapOvr>
     <a:masterClrMapping/>
   </p:clrMapOvr>
-  <p:timing>
-    <p:tnLst>
-      <p:par>
-        <p:cTn id="1" dur="indefinite" restart="never" nodeType="tmRoot"/>
-      </p:par>
-    </p:tnLst>
-  </p:timing>
 </p:sld>
 </file>
 
@@ -16566,7 +16222,7 @@
               <a:buNone/>
             </a:pPr>
             <a:r>
-              <a:rPr lang="en-US" sz="2800" dirty="0" smtClean="0">
+              <a:rPr lang="en-US" sz="2800" dirty="0">
                 <a:ea typeface="Calibri"/>
                 <a:cs typeface="Times New Roman"/>
               </a:rPr>
@@ -16581,7 +16237,7 @@
               <a:buNone/>
             </a:pPr>
             <a:r>
-              <a:rPr lang="en-US" sz="2800" dirty="0" smtClean="0">
+              <a:rPr lang="en-US" sz="2800" dirty="0">
                 <a:ea typeface="Calibri"/>
                 <a:cs typeface="Times New Roman"/>
               </a:rPr>
@@ -16608,7 +16264,7 @@
               <a:buNone/>
             </a:pPr>
             <a:r>
-              <a:rPr lang="en-US" sz="2800" dirty="0" smtClean="0">
+              <a:rPr lang="en-US" sz="2800" dirty="0">
                 <a:ea typeface="Calibri"/>
                 <a:cs typeface="Times New Roman"/>
               </a:rPr>
@@ -16635,7 +16291,7 @@
               <a:buNone/>
             </a:pPr>
             <a:r>
-              <a:rPr lang="en-US" sz="2800" dirty="0" smtClean="0">
+              <a:rPr lang="en-US" sz="2800" dirty="0">
                 <a:ea typeface="Calibri"/>
                 <a:cs typeface="Times New Roman"/>
               </a:rPr>
@@ -16653,16 +16309,12 @@
               <a:buNone/>
             </a:pPr>
             <a:r>
-              <a:rPr lang="en-US" sz="2800" dirty="0" smtClean="0">
+              <a:rPr lang="en-US" sz="2800" dirty="0">
                 <a:ea typeface="Calibri"/>
                 <a:cs typeface="Times New Roman"/>
               </a:rPr>
               <a:t>  </a:t>
             </a:r>
-            <a:endParaRPr lang="en-US" sz="2800" dirty="0">
-              <a:ea typeface="Calibri"/>
-              <a:cs typeface="Times New Roman"/>
-            </a:endParaRPr>
           </a:p>
           <a:p>
             <a:pPr marL="0" marR="0" indent="0" algn="ctr">
@@ -16710,10 +16362,9 @@
           <a:p>
             <a:pPr algn="ctr"/>
             <a:r>
-              <a:rPr lang="en-US" sz="1400" dirty="0" smtClean="0"/>
+              <a:rPr lang="en-US" sz="1400" dirty="0"/>
               <a:t>If the outcome associated with this side occurred, you would see a positive picture but would receive 0 cents.</a:t>
             </a:r>
-            <a:endParaRPr lang="en-US" sz="1400" dirty="0"/>
           </a:p>
         </p:txBody>
       </p:sp>
@@ -16746,17 +16397,16 @@
           <a:p>
             <a:pPr algn="ctr"/>
             <a:r>
-              <a:rPr lang="en-US" sz="1400" dirty="0" smtClean="0"/>
+              <a:rPr lang="en-US" sz="1400" dirty="0"/>
               <a:t>If the outcome associated </a:t>
             </a:r>
           </a:p>
           <a:p>
             <a:pPr algn="ctr"/>
             <a:r>
-              <a:rPr lang="en-US" sz="1400" dirty="0" smtClean="0"/>
+              <a:rPr lang="en-US" sz="1400" dirty="0"/>
               <a:t>with this side occurred, you would see a negative picture but would get a few cents.</a:t>
             </a:r>
-            <a:endParaRPr lang="en-US" sz="1400" dirty="0"/>
           </a:p>
         </p:txBody>
       </p:sp>
@@ -17024,7 +16674,7 @@
           </a:lstStyle>
           <a:p>
             <a:r>
-              <a:rPr lang="en-US" sz="1600" dirty="0" smtClean="0">
+              <a:rPr lang="en-US" sz="1600" dirty="0">
                 <a:solidFill>
                   <a:schemeClr val="bg2">
                     <a:lumMod val="20000"/>
@@ -17034,14 +16684,6 @@
               </a:rPr>
               <a:t>TOP</a:t>
             </a:r>
-            <a:endParaRPr lang="en-US" sz="1600" dirty="0">
-              <a:solidFill>
-                <a:schemeClr val="bg2">
-                  <a:lumMod val="20000"/>
-                  <a:lumOff val="80000"/>
-                </a:schemeClr>
-              </a:solidFill>
-            </a:endParaRPr>
           </a:p>
         </p:txBody>
       </p:sp>
@@ -17261,7 +16903,7 @@
           </a:lstStyle>
           <a:p>
             <a:r>
-              <a:rPr lang="en-US" sz="1600" dirty="0" smtClean="0">
+              <a:rPr lang="en-US" sz="1600" dirty="0">
                 <a:solidFill>
                   <a:schemeClr val="bg2">
                     <a:lumMod val="20000"/>
@@ -17271,14 +16913,6 @@
               </a:rPr>
               <a:t>TRIGGER</a:t>
             </a:r>
-            <a:endParaRPr lang="en-US" sz="1600" dirty="0">
-              <a:solidFill>
-                <a:schemeClr val="bg2">
-                  <a:lumMod val="20000"/>
-                  <a:lumOff val="80000"/>
-                </a:schemeClr>
-              </a:solidFill>
-            </a:endParaRPr>
           </a:p>
         </p:txBody>
       </p:sp>
@@ -17359,34 +16993,13 @@
           </a:lstStyle>
           <a:p>
             <a:r>
-              <a:rPr lang="en-US" sz="3000" dirty="0" smtClean="0">
+              <a:rPr lang="en-US" sz="3000" dirty="0">
                 <a:solidFill>
                   <a:srgbClr val="FF0000"/>
                 </a:solidFill>
               </a:rPr>
-              <a:t>PRESS </a:t>
-            </a:r>
-            <a:r>
-              <a:rPr lang="en-US" sz="3000" dirty="0">
-                <a:solidFill>
-                  <a:srgbClr val="FF0000"/>
-                </a:solidFill>
-              </a:rPr>
-              <a:t>THE TRIGGER BUTTON TO </a:t>
-            </a:r>
-            <a:r>
-              <a:rPr lang="en-US" sz="3000" dirty="0" smtClean="0">
-                <a:solidFill>
-                  <a:srgbClr val="FF0000"/>
-                </a:solidFill>
-              </a:rPr>
-              <a:t>CONTINUE</a:t>
-            </a:r>
-            <a:endParaRPr lang="en-US" sz="3000" dirty="0">
-              <a:solidFill>
-                <a:srgbClr val="FF0000"/>
-              </a:solidFill>
-            </a:endParaRPr>
+              <a:t>PRESS THE TRIGGER BUTTON TO CONTINUE</a:t>
+            </a:r>
           </a:p>
         </p:txBody>
       </p:sp>
@@ -17400,13 +17013,6 @@
   <p:clrMapOvr>
     <a:masterClrMapping/>
   </p:clrMapOvr>
-  <p:timing>
-    <p:tnLst>
-      <p:par>
-        <p:cTn id="1" dur="indefinite" restart="never" nodeType="tmRoot"/>
-      </p:par>
-    </p:tnLst>
-  </p:timing>
 </p:sld>
 </file>
 
@@ -17463,28 +17069,7 @@
                 <a:ea typeface="Calibri"/>
                 <a:cs typeface="Times New Roman"/>
               </a:rPr>
-              <a:t>For each trial, you are to move the figure on the </a:t>
-            </a:r>
-            <a:r>
-              <a:rPr lang="en-US" sz="2800" dirty="0" smtClean="0">
-                <a:ea typeface="Calibri"/>
-                <a:cs typeface="Times New Roman"/>
-              </a:rPr>
-              <a:t>screen</a:t>
-            </a:r>
-            <a:r>
-              <a:rPr lang="en-US" sz="2800" dirty="0">
-                <a:ea typeface="Calibri"/>
-                <a:cs typeface="Times New Roman"/>
-              </a:rPr>
-              <a:t> </a:t>
-            </a:r>
-            <a:r>
-              <a:rPr lang="en-US" sz="2800" dirty="0" smtClean="0">
-                <a:ea typeface="Calibri"/>
-                <a:cs typeface="Times New Roman"/>
-              </a:rPr>
-              <a:t>by moving the joystick. </a:t>
+              <a:t>For each trial, you are to move the figure on the screen by moving the joystick. </a:t>
             </a:r>
           </a:p>
           <a:p>
@@ -17513,23 +17098,12 @@
               <a:buNone/>
             </a:pPr>
             <a:r>
-              <a:rPr lang="en-US" sz="2800" dirty="0" smtClean="0">
-                <a:ea typeface="Calibri"/>
-                <a:cs typeface="Times New Roman"/>
-              </a:rPr>
-              <a:t>Moving the joystick to the left moves </a:t>
-            </a:r>
-            <a:r>
               <a:rPr lang="en-US" sz="2800" dirty="0">
                 <a:ea typeface="Calibri"/>
                 <a:cs typeface="Times New Roman"/>
               </a:rPr>
-              <a:t>the figure to the left, </a:t>
-            </a:r>
-            <a:endParaRPr lang="en-US" sz="2800" dirty="0" smtClean="0">
-              <a:ea typeface="Calibri"/>
-              <a:cs typeface="Times New Roman"/>
-            </a:endParaRPr>
+              <a:t>Moving the joystick to the left moves the figure to the left, </a:t>
+            </a:r>
           </a:p>
           <a:p>
             <a:pPr marL="0" marR="0" indent="0" algn="ctr">
@@ -17546,26 +17120,26 @@
                 <a:ea typeface="Calibri"/>
                 <a:cs typeface="Times New Roman"/>
               </a:rPr>
-              <a:t>Moving the joystick to the </a:t>
-            </a:r>
-            <a:r>
-              <a:rPr lang="en-US" sz="2800" dirty="0" smtClean="0">
-                <a:ea typeface="Calibri"/>
-                <a:cs typeface="Times New Roman"/>
-              </a:rPr>
-              <a:t>right </a:t>
-            </a:r>
+              <a:t>Moving the joystick to the right moves the figure to the right, </a:t>
+            </a:r>
+          </a:p>
+          <a:p>
+            <a:pPr marL="0" marR="0" indent="0" algn="ctr">
+              <a:spcBef>
+                <a:spcPts val="0"/>
+              </a:spcBef>
+              <a:spcAft>
+                <a:spcPts val="0"/>
+              </a:spcAft>
+              <a:buNone/>
+            </a:pPr>
             <a:r>
               <a:rPr lang="en-US" sz="2800" dirty="0">
                 <a:ea typeface="Calibri"/>
                 <a:cs typeface="Times New Roman"/>
               </a:rPr>
-              <a:t>moves the figure to the right, </a:t>
-            </a:r>
-            <a:endParaRPr lang="en-US" sz="2800" dirty="0" smtClean="0">
-              <a:ea typeface="Calibri"/>
-              <a:cs typeface="Times New Roman"/>
-            </a:endParaRPr>
+              <a:t>and the trigger button locks in your answer.  </a:t>
+            </a:r>
           </a:p>
           <a:p>
             <a:pPr marL="0" marR="0" indent="0" algn="ctr">
@@ -17577,56 +17151,13 @@
               </a:spcAft>
               <a:buNone/>
             </a:pPr>
-            <a:r>
-              <a:rPr lang="en-US" sz="2800" dirty="0" smtClean="0">
-                <a:ea typeface="Calibri"/>
-                <a:cs typeface="Times New Roman"/>
-              </a:rPr>
-              <a:t>and </a:t>
-            </a:r>
             <a:r>
               <a:rPr lang="en-US" sz="2800" dirty="0">
                 <a:ea typeface="Calibri"/>
                 <a:cs typeface="Times New Roman"/>
               </a:rPr>
-              <a:t>the </a:t>
-            </a:r>
-            <a:r>
-              <a:rPr lang="en-US" sz="2800" dirty="0" smtClean="0">
-                <a:ea typeface="Calibri"/>
-                <a:cs typeface="Times New Roman"/>
-              </a:rPr>
-              <a:t>trigger button locks </a:t>
-            </a:r>
-            <a:r>
-              <a:rPr lang="en-US" sz="2800" dirty="0">
-                <a:ea typeface="Calibri"/>
-                <a:cs typeface="Times New Roman"/>
-              </a:rPr>
-              <a:t>in your answer.  </a:t>
-            </a:r>
-          </a:p>
-          <a:p>
-            <a:pPr marL="0" marR="0" indent="0" algn="ctr">
-              <a:spcBef>
-                <a:spcPts val="0"/>
-              </a:spcBef>
-              <a:spcAft>
-                <a:spcPts val="0"/>
-              </a:spcAft>
-              <a:buNone/>
-            </a:pPr>
-            <a:r>
-              <a:rPr lang="en-US" sz="2800" dirty="0" smtClean="0">
-                <a:ea typeface="Calibri"/>
-                <a:cs typeface="Times New Roman"/>
-              </a:rPr>
               <a:t>  </a:t>
             </a:r>
-            <a:endParaRPr lang="en-US" sz="2800" dirty="0">
-              <a:ea typeface="Calibri"/>
-              <a:cs typeface="Times New Roman"/>
-            </a:endParaRPr>
           </a:p>
           <a:p>
             <a:pPr marL="0" marR="0" indent="0" algn="ctr">
@@ -17940,7 +17471,7 @@
           </a:lstStyle>
           <a:p>
             <a:r>
-              <a:rPr lang="en-US" sz="1600" dirty="0" smtClean="0">
+              <a:rPr lang="en-US" sz="1600" dirty="0">
                 <a:solidFill>
                   <a:schemeClr val="bg2">
                     <a:lumMod val="20000"/>
@@ -17950,14 +17481,6 @@
               </a:rPr>
               <a:t>TOP</a:t>
             </a:r>
-            <a:endParaRPr lang="en-US" sz="1600" dirty="0">
-              <a:solidFill>
-                <a:schemeClr val="bg2">
-                  <a:lumMod val="20000"/>
-                  <a:lumOff val="80000"/>
-                </a:schemeClr>
-              </a:solidFill>
-            </a:endParaRPr>
           </a:p>
         </p:txBody>
       </p:sp>
@@ -18177,7 +17700,7 @@
           </a:lstStyle>
           <a:p>
             <a:r>
-              <a:rPr lang="en-US" sz="1600" dirty="0" smtClean="0">
+              <a:rPr lang="en-US" sz="1600" dirty="0">
                 <a:solidFill>
                   <a:schemeClr val="bg2">
                     <a:lumMod val="20000"/>
@@ -18187,14 +17710,6 @@
               </a:rPr>
               <a:t>TRIGGER</a:t>
             </a:r>
-            <a:endParaRPr lang="en-US" sz="1600" dirty="0">
-              <a:solidFill>
-                <a:schemeClr val="bg2">
-                  <a:lumMod val="20000"/>
-                  <a:lumOff val="80000"/>
-                </a:schemeClr>
-              </a:solidFill>
-            </a:endParaRPr>
           </a:p>
         </p:txBody>
       </p:sp>
@@ -18275,34 +17790,13 @@
           </a:lstStyle>
           <a:p>
             <a:r>
-              <a:rPr lang="en-US" sz="3000" dirty="0" smtClean="0">
+              <a:rPr lang="en-US" sz="3000" dirty="0">
                 <a:solidFill>
                   <a:srgbClr val="FF0000"/>
                 </a:solidFill>
               </a:rPr>
-              <a:t>PRESS THE </a:t>
-            </a:r>
-            <a:r>
-              <a:rPr lang="en-US" sz="3000" dirty="0">
-                <a:solidFill>
-                  <a:srgbClr val="FF0000"/>
-                </a:solidFill>
-              </a:rPr>
-              <a:t>TRIGGER BUTTON TO </a:t>
-            </a:r>
-            <a:r>
-              <a:rPr lang="en-US" sz="3000" dirty="0" smtClean="0">
-                <a:solidFill>
-                  <a:srgbClr val="FF0000"/>
-                </a:solidFill>
-              </a:rPr>
-              <a:t>CONTINUE</a:t>
-            </a:r>
-            <a:endParaRPr lang="en-US" sz="3000" dirty="0">
-              <a:solidFill>
-                <a:srgbClr val="FF0000"/>
-              </a:solidFill>
-            </a:endParaRPr>
+              <a:t>PRESS THE TRIGGER BUTTON TO CONTINUE</a:t>
+            </a:r>
           </a:p>
         </p:txBody>
       </p:sp>
@@ -18345,13 +17839,6 @@
   <p:clrMapOvr>
     <a:masterClrMapping/>
   </p:clrMapOvr>
-  <p:timing>
-    <p:tnLst>
-      <p:par>
-        <p:cTn id="1" dur="indefinite" restart="never" nodeType="tmRoot"/>
-      </p:par>
-    </p:tnLst>
-  </p:timing>
 </p:sld>
 </file>
 
@@ -18454,10 +17941,6 @@
               </a:rPr>
               <a:t>You will move the figure to indicate how much </a:t>
             </a:r>
-            <a:endParaRPr lang="en-US" sz="2800" dirty="0" smtClean="0">
-              <a:ea typeface="Calibri"/>
-              <a:cs typeface="Times New Roman"/>
-            </a:endParaRPr>
           </a:p>
           <a:p>
             <a:pPr marL="0" marR="0" indent="0" algn="ctr">
@@ -18469,24 +17952,13 @@
               </a:spcAft>
               <a:buNone/>
             </a:pPr>
-            <a:r>
-              <a:rPr lang="en-US" sz="2800" dirty="0" smtClean="0">
-                <a:ea typeface="Calibri"/>
-                <a:cs typeface="Times New Roman"/>
-              </a:rPr>
-              <a:t>you </a:t>
-            </a:r>
             <a:r>
               <a:rPr lang="en-US" sz="2800" dirty="0">
                 <a:ea typeface="Calibri"/>
                 <a:cs typeface="Times New Roman"/>
               </a:rPr>
-              <a:t>want each of the two possible outcomes.  </a:t>
-            </a:r>
-            <a:endParaRPr lang="en-US" sz="2800" dirty="0" smtClean="0">
-              <a:ea typeface="Calibri"/>
-              <a:cs typeface="Times New Roman"/>
-            </a:endParaRPr>
+              <a:t>you want each of the two possible outcomes.  </a:t>
+            </a:r>
           </a:p>
           <a:p>
             <a:pPr marL="0" marR="0" indent="0" algn="ctr">
@@ -18514,23 +17986,12 @@
               <a:buNone/>
             </a:pPr>
             <a:r>
-              <a:rPr lang="en-US" sz="2800" dirty="0" smtClean="0">
-                <a:ea typeface="Calibri"/>
-                <a:cs typeface="Times New Roman"/>
-              </a:rPr>
-              <a:t>For </a:t>
-            </a:r>
-            <a:r>
               <a:rPr lang="en-US" sz="2800" dirty="0">
                 <a:ea typeface="Calibri"/>
                 <a:cs typeface="Times New Roman"/>
               </a:rPr>
-              <a:t>example, if you think you might want the outcome </a:t>
-            </a:r>
-            <a:endParaRPr lang="en-US" sz="2800" dirty="0" smtClean="0">
-              <a:ea typeface="Calibri"/>
-              <a:cs typeface="Times New Roman"/>
-            </a:endParaRPr>
+              <a:t>For example, if you think you might want the outcome </a:t>
+            </a:r>
           </a:p>
           <a:p>
             <a:pPr marL="0" marR="0" indent="0" algn="ctr">
@@ -18542,26 +18003,12 @@
               </a:spcAft>
               <a:buNone/>
             </a:pPr>
-            <a:r>
-              <a:rPr lang="en-US" sz="2800" dirty="0" smtClean="0">
-                <a:ea typeface="Calibri"/>
-                <a:cs typeface="Times New Roman"/>
-              </a:rPr>
-              <a:t>on </a:t>
-            </a:r>
             <a:r>
               <a:rPr lang="en-US" sz="2800" dirty="0">
                 <a:ea typeface="Calibri"/>
                 <a:cs typeface="Times New Roman"/>
               </a:rPr>
-              <a:t>the right just a little more than the outcome on the left, than you may move </a:t>
-            </a:r>
-            <a:r>
-              <a:rPr lang="en-US" sz="2800" dirty="0" smtClean="0">
-                <a:ea typeface="Calibri"/>
-                <a:cs typeface="Times New Roman"/>
-              </a:rPr>
-              <a:t>the figure slightly</a:t>
+              <a:t>on the right just a little more than the outcome on the left, than you may move the figure slightly</a:t>
             </a:r>
           </a:p>
           <a:p>
@@ -18574,31 +18021,13 @@
               </a:spcAft>
               <a:buNone/>
             </a:pPr>
-            <a:r>
-              <a:rPr lang="en-US" sz="2800" dirty="0" smtClean="0">
-                <a:ea typeface="Calibri"/>
-                <a:cs typeface="Times New Roman"/>
-              </a:rPr>
-              <a:t>to </a:t>
-            </a:r>
             <a:r>
               <a:rPr lang="en-US" sz="2800" dirty="0">
                 <a:ea typeface="Calibri"/>
                 <a:cs typeface="Times New Roman"/>
               </a:rPr>
-              <a:t>the right of the center </a:t>
-            </a:r>
-            <a:r>
-              <a:rPr lang="en-US" sz="2800" dirty="0" smtClean="0">
-                <a:ea typeface="Calibri"/>
-                <a:cs typeface="Times New Roman"/>
-              </a:rPr>
-              <a:t>mark like shown below.</a:t>
-            </a:r>
-            <a:endParaRPr lang="en-US" sz="2800" dirty="0">
-              <a:ea typeface="Calibri"/>
-              <a:cs typeface="Times New Roman"/>
-            </a:endParaRPr>
+              <a:t>to the right of the center mark like shown below.</a:t>
+            </a:r>
           </a:p>
           <a:p>
             <a:pPr marL="0" marR="0" indent="0" algn="ctr">
@@ -18868,7 +18297,7 @@
           </a:lstStyle>
           <a:p>
             <a:r>
-              <a:rPr lang="en-US" sz="1600" dirty="0" smtClean="0">
+              <a:rPr lang="en-US" sz="1600" dirty="0">
                 <a:solidFill>
                   <a:schemeClr val="bg2">
                     <a:lumMod val="20000"/>
@@ -18878,14 +18307,6 @@
               </a:rPr>
               <a:t>TOP</a:t>
             </a:r>
-            <a:endParaRPr lang="en-US" sz="1600" dirty="0">
-              <a:solidFill>
-                <a:schemeClr val="bg2">
-                  <a:lumMod val="20000"/>
-                  <a:lumOff val="80000"/>
-                </a:schemeClr>
-              </a:solidFill>
-            </a:endParaRPr>
           </a:p>
         </p:txBody>
       </p:sp>
@@ -19105,7 +18526,7 @@
           </a:lstStyle>
           <a:p>
             <a:r>
-              <a:rPr lang="en-US" sz="1600" dirty="0" smtClean="0">
+              <a:rPr lang="en-US" sz="1600" dirty="0">
                 <a:solidFill>
                   <a:schemeClr val="bg2">
                     <a:lumMod val="20000"/>
@@ -19115,14 +18536,6 @@
               </a:rPr>
               <a:t>TRIGGER</a:t>
             </a:r>
-            <a:endParaRPr lang="en-US" sz="1600" dirty="0">
-              <a:solidFill>
-                <a:schemeClr val="bg2">
-                  <a:lumMod val="20000"/>
-                  <a:lumOff val="80000"/>
-                </a:schemeClr>
-              </a:solidFill>
-            </a:endParaRPr>
           </a:p>
         </p:txBody>
       </p:sp>
@@ -19203,34 +18616,13 @@
           </a:lstStyle>
           <a:p>
             <a:r>
-              <a:rPr lang="en-US" sz="3000" dirty="0" smtClean="0">
+              <a:rPr lang="en-US" sz="3000" dirty="0">
                 <a:solidFill>
                   <a:srgbClr val="FF0000"/>
                 </a:solidFill>
               </a:rPr>
-              <a:t>PRESS THE </a:t>
-            </a:r>
-            <a:r>
-              <a:rPr lang="en-US" sz="3000" dirty="0">
-                <a:solidFill>
-                  <a:srgbClr val="FF0000"/>
-                </a:solidFill>
-              </a:rPr>
-              <a:t>TRIGGER BUTTON TO </a:t>
-            </a:r>
-            <a:r>
-              <a:rPr lang="en-US" sz="3000" dirty="0" smtClean="0">
-                <a:solidFill>
-                  <a:srgbClr val="FF0000"/>
-                </a:solidFill>
-              </a:rPr>
-              <a:t>CONTINUE</a:t>
-            </a:r>
-            <a:endParaRPr lang="en-US" sz="3000" dirty="0">
-              <a:solidFill>
-                <a:srgbClr val="FF0000"/>
-              </a:solidFill>
-            </a:endParaRPr>
+              <a:t>PRESS THE TRIGGER BUTTON TO CONTINUE</a:t>
+            </a:r>
           </a:p>
         </p:txBody>
       </p:sp>
@@ -19244,13 +18636,6 @@
   <p:clrMapOvr>
     <a:masterClrMapping/>
   </p:clrMapOvr>
-  <p:timing>
-    <p:tnLst>
-      <p:par>
-        <p:cTn id="1" dur="indefinite" restart="never" nodeType="tmRoot"/>
-      </p:par>
-    </p:tnLst>
-  </p:timing>
 </p:sld>
 </file>
 
@@ -19343,19 +18728,8 @@
                 <a:ea typeface="Calibri"/>
                 <a:cs typeface="Times New Roman"/>
               </a:rPr>
-              <a:t>all the way to the </a:t>
-            </a:r>
-            <a:r>
-              <a:rPr lang="en-US" sz="2800" dirty="0" smtClean="0">
-                <a:ea typeface="Calibri"/>
-                <a:cs typeface="Times New Roman"/>
-              </a:rPr>
-              <a:t>left like shown below. </a:t>
-            </a:r>
-            <a:endParaRPr lang="en-US" sz="2800" dirty="0">
-              <a:ea typeface="Calibri"/>
-              <a:cs typeface="Times New Roman"/>
-            </a:endParaRPr>
+              <a:t>all the way to the left like shown below. </a:t>
+            </a:r>
           </a:p>
           <a:p>
             <a:pPr marL="0" marR="0" indent="0" algn="ctr">
@@ -19654,7 +19028,7 @@
           </a:lstStyle>
           <a:p>
             <a:r>
-              <a:rPr lang="en-US" sz="1600" dirty="0" smtClean="0">
+              <a:rPr lang="en-US" sz="1600" dirty="0">
                 <a:solidFill>
                   <a:schemeClr val="bg2">
                     <a:lumMod val="20000"/>
@@ -19664,14 +19038,6 @@
               </a:rPr>
               <a:t>TOP</a:t>
             </a:r>
-            <a:endParaRPr lang="en-US" sz="1600" dirty="0">
-              <a:solidFill>
-                <a:schemeClr val="bg2">
-                  <a:lumMod val="20000"/>
-                  <a:lumOff val="80000"/>
-                </a:schemeClr>
-              </a:solidFill>
-            </a:endParaRPr>
           </a:p>
         </p:txBody>
       </p:sp>
@@ -19891,7 +19257,7 @@
           </a:lstStyle>
           <a:p>
             <a:r>
-              <a:rPr lang="en-US" sz="1600" dirty="0" smtClean="0">
+              <a:rPr lang="en-US" sz="1600" dirty="0">
                 <a:solidFill>
                   <a:schemeClr val="bg2">
                     <a:lumMod val="20000"/>
@@ -19901,14 +19267,6 @@
               </a:rPr>
               <a:t>TRIGGER</a:t>
             </a:r>
-            <a:endParaRPr lang="en-US" sz="1600" dirty="0">
-              <a:solidFill>
-                <a:schemeClr val="bg2">
-                  <a:lumMod val="20000"/>
-                  <a:lumOff val="80000"/>
-                </a:schemeClr>
-              </a:solidFill>
-            </a:endParaRPr>
           </a:p>
         </p:txBody>
       </p:sp>
@@ -19989,18 +19347,13 @@
           </a:lstStyle>
           <a:p>
             <a:r>
-              <a:rPr lang="en-US" sz="3000" dirty="0" smtClean="0">
+              <a:rPr lang="en-US" sz="3000" dirty="0">
                 <a:solidFill>
                   <a:srgbClr val="FF0000"/>
                 </a:solidFill>
               </a:rPr>
               <a:t>PRESS THE TRIGGER BUTTON TO CONTINUE</a:t>
             </a:r>
-            <a:endParaRPr lang="en-US" sz="3000" dirty="0">
-              <a:solidFill>
-                <a:srgbClr val="FF0000"/>
-              </a:solidFill>
-            </a:endParaRPr>
           </a:p>
         </p:txBody>
       </p:sp>
@@ -20014,13 +19367,6 @@
   <p:clrMapOvr>
     <a:masterClrMapping/>
   </p:clrMapOvr>
-  <p:timing>
-    <p:tnLst>
-      <p:par>
-        <p:cTn id="1" dur="indefinite" restart="never" nodeType="tmRoot"/>
-      </p:par>
-    </p:tnLst>
-  </p:timing>
 </p:sld>
 </file>
 
@@ -20073,7 +19419,7 @@
               <a:buNone/>
             </a:pPr>
             <a:r>
-              <a:rPr lang="en-US" sz="2800" dirty="0" smtClean="0">
+              <a:rPr lang="en-US" sz="2800" dirty="0">
                 <a:ea typeface="Calibri"/>
                 <a:cs typeface="Times New Roman"/>
               </a:rPr>
@@ -20091,7 +19437,7 @@
               <a:buNone/>
             </a:pPr>
             <a:r>
-              <a:rPr lang="en-US" sz="2800" dirty="0" smtClean="0">
+              <a:rPr lang="en-US" sz="2800" dirty="0">
                 <a:ea typeface="Calibri"/>
                 <a:cs typeface="Times New Roman"/>
               </a:rPr>
@@ -20109,7 +19455,7 @@
               <a:buNone/>
             </a:pPr>
             <a:r>
-              <a:rPr lang="en-US" sz="2800" dirty="0" smtClean="0">
+              <a:rPr lang="en-US" sz="2800" dirty="0">
                 <a:ea typeface="Calibri"/>
                 <a:cs typeface="Times New Roman"/>
               </a:rPr>
@@ -20617,7 +19963,7 @@
           </a:lstStyle>
           <a:p>
             <a:r>
-              <a:rPr lang="en-US" sz="1600" dirty="0" smtClean="0">
+              <a:rPr lang="en-US" sz="1600" dirty="0">
                 <a:solidFill>
                   <a:schemeClr val="bg2">
                     <a:lumMod val="20000"/>
@@ -20627,14 +19973,6 @@
               </a:rPr>
               <a:t>TOP</a:t>
             </a:r>
-            <a:endParaRPr lang="en-US" sz="1600" dirty="0">
-              <a:solidFill>
-                <a:schemeClr val="bg2">
-                  <a:lumMod val="20000"/>
-                  <a:lumOff val="80000"/>
-                </a:schemeClr>
-              </a:solidFill>
-            </a:endParaRPr>
           </a:p>
         </p:txBody>
       </p:sp>
@@ -20854,7 +20192,7 @@
           </a:lstStyle>
           <a:p>
             <a:r>
-              <a:rPr lang="en-US" sz="1600" dirty="0" smtClean="0">
+              <a:rPr lang="en-US" sz="1600" dirty="0">
                 <a:solidFill>
                   <a:schemeClr val="bg2">
                     <a:lumMod val="20000"/>
@@ -20864,14 +20202,6 @@
               </a:rPr>
               <a:t>TRIGGER</a:t>
             </a:r>
-            <a:endParaRPr lang="en-US" sz="1600" dirty="0">
-              <a:solidFill>
-                <a:schemeClr val="bg2">
-                  <a:lumMod val="20000"/>
-                  <a:lumOff val="80000"/>
-                </a:schemeClr>
-              </a:solidFill>
-            </a:endParaRPr>
           </a:p>
         </p:txBody>
       </p:sp>
@@ -20952,18 +20282,13 @@
           </a:lstStyle>
           <a:p>
             <a:r>
-              <a:rPr lang="en-US" sz="3000" dirty="0" smtClean="0">
+              <a:rPr lang="en-US" sz="3000" dirty="0">
                 <a:solidFill>
                   <a:srgbClr val="FF0000"/>
                 </a:solidFill>
               </a:rPr>
               <a:t>PRESS THE TRIGGER BUTTON TO CONTINUE</a:t>
             </a:r>
-            <a:endParaRPr lang="en-US" sz="3000" dirty="0">
-              <a:solidFill>
-                <a:srgbClr val="FF0000"/>
-              </a:solidFill>
-            </a:endParaRPr>
           </a:p>
         </p:txBody>
       </p:sp>
@@ -20977,13 +20302,6 @@
   <p:clrMapOvr>
     <a:masterClrMapping/>
   </p:clrMapOvr>
-  <p:timing>
-    <p:tnLst>
-      <p:par>
-        <p:cTn id="1" dur="indefinite" restart="never" nodeType="tmRoot"/>
-      </p:par>
-    </p:tnLst>
-  </p:timing>
 </p:sld>
 </file>
 
@@ -21042,10 +20360,6 @@
               </a:rPr>
               <a:t>The closer you are to one side, the more likely that outcome will be to happen; and likewise, the further away you are from one side, the less likely that outcome will be to happen. </a:t>
             </a:r>
-            <a:endParaRPr lang="en-US" sz="2800" dirty="0" smtClean="0">
-              <a:ea typeface="Calibri"/>
-              <a:cs typeface="Times New Roman"/>
-            </a:endParaRPr>
           </a:p>
           <a:p>
             <a:pPr marL="0" marR="0" indent="0" algn="ctr">
@@ -21073,127 +20387,25 @@
               <a:buNone/>
             </a:pPr>
             <a:r>
-              <a:rPr lang="en-US" sz="2800" dirty="0" smtClean="0">
-                <a:ea typeface="Calibri"/>
-                <a:cs typeface="Times New Roman"/>
-              </a:rPr>
-              <a:t>So</a:t>
-            </a:r>
-            <a:r>
               <a:rPr lang="en-US" sz="2800" dirty="0">
                 <a:ea typeface="Calibri"/>
                 <a:cs typeface="Times New Roman"/>
               </a:rPr>
-              <a:t>, for example, if you </a:t>
-            </a:r>
-            <a:r>
-              <a:rPr lang="en-US" sz="2800" dirty="0" smtClean="0">
-                <a:ea typeface="Calibri"/>
-                <a:cs typeface="Times New Roman"/>
-              </a:rPr>
-              <a:t>moved all </a:t>
-            </a:r>
+              <a:t>So, for example, if you moved all the way to one side (like shown), you would have a 90% chance of the nearest outcome occurring; but still a 10% chance of the other outcome occurring. </a:t>
+            </a:r>
+          </a:p>
+          <a:p>
+            <a:pPr marL="0" marR="0" indent="0" algn="ctr">
+              <a:spcBef>
+                <a:spcPts val="0"/>
+              </a:spcBef>
+              <a:spcAft>
+                <a:spcPts val="0"/>
+              </a:spcAft>
+              <a:buNone/>
+            </a:pPr>
             <a:r>
               <a:rPr lang="en-US" sz="2800" dirty="0">
-                <a:ea typeface="Calibri"/>
-                <a:cs typeface="Times New Roman"/>
-              </a:rPr>
-              <a:t>the way to one </a:t>
-            </a:r>
-            <a:r>
-              <a:rPr lang="en-US" sz="2800" dirty="0" smtClean="0">
-                <a:ea typeface="Calibri"/>
-                <a:cs typeface="Times New Roman"/>
-              </a:rPr>
-              <a:t>side (like shown), </a:t>
-            </a:r>
-            <a:r>
-              <a:rPr lang="en-US" sz="2800" dirty="0">
-                <a:ea typeface="Calibri"/>
-                <a:cs typeface="Times New Roman"/>
-              </a:rPr>
-              <a:t>you </a:t>
-            </a:r>
-            <a:r>
-              <a:rPr lang="en-US" sz="2800" dirty="0" smtClean="0">
-                <a:ea typeface="Calibri"/>
-                <a:cs typeface="Times New Roman"/>
-              </a:rPr>
-              <a:t>would have </a:t>
-            </a:r>
-            <a:r>
-              <a:rPr lang="en-US" sz="2800" dirty="0">
-                <a:ea typeface="Calibri"/>
-                <a:cs typeface="Times New Roman"/>
-              </a:rPr>
-              <a:t>a 90% chance of </a:t>
-            </a:r>
-            <a:r>
-              <a:rPr lang="en-US" sz="2800" dirty="0" smtClean="0">
-                <a:ea typeface="Calibri"/>
-                <a:cs typeface="Times New Roman"/>
-              </a:rPr>
-              <a:t>the nearest outcome occurring; </a:t>
-            </a:r>
-            <a:r>
-              <a:rPr lang="en-US" sz="2800" dirty="0">
-                <a:ea typeface="Calibri"/>
-                <a:cs typeface="Times New Roman"/>
-              </a:rPr>
-              <a:t>but </a:t>
-            </a:r>
-            <a:r>
-              <a:rPr lang="en-US" sz="2800" dirty="0" smtClean="0">
-                <a:ea typeface="Calibri"/>
-                <a:cs typeface="Times New Roman"/>
-              </a:rPr>
-              <a:t>still </a:t>
-            </a:r>
-            <a:r>
-              <a:rPr lang="en-US" sz="2800" dirty="0">
-                <a:ea typeface="Calibri"/>
-                <a:cs typeface="Times New Roman"/>
-              </a:rPr>
-              <a:t>a 10% chance </a:t>
-            </a:r>
-            <a:r>
-              <a:rPr lang="en-US" sz="2800" dirty="0" smtClean="0">
-                <a:ea typeface="Calibri"/>
-                <a:cs typeface="Times New Roman"/>
-              </a:rPr>
-              <a:t>of the </a:t>
-            </a:r>
-            <a:r>
-              <a:rPr lang="en-US" sz="2800" dirty="0">
-                <a:ea typeface="Calibri"/>
-                <a:cs typeface="Times New Roman"/>
-              </a:rPr>
-              <a:t>other </a:t>
-            </a:r>
-            <a:r>
-              <a:rPr lang="en-US" sz="2800" dirty="0" smtClean="0">
-                <a:ea typeface="Calibri"/>
-                <a:cs typeface="Times New Roman"/>
-              </a:rPr>
-              <a:t>outcome occurring. </a:t>
-            </a:r>
-            <a:endParaRPr lang="en-US" sz="2800" dirty="0">
-              <a:ea typeface="Calibri"/>
-              <a:cs typeface="Times New Roman"/>
-            </a:endParaRPr>
-          </a:p>
-          <a:p>
-            <a:pPr marL="0" marR="0" indent="0" algn="ctr">
-              <a:spcBef>
-                <a:spcPts val="0"/>
-              </a:spcBef>
-              <a:spcAft>
-                <a:spcPts val="0"/>
-              </a:spcAft>
-              <a:buNone/>
-            </a:pPr>
-            <a:r>
-              <a:rPr lang="en-US" sz="2800" dirty="0" smtClean="0">
                 <a:ea typeface="Calibri"/>
                 <a:cs typeface="Times New Roman"/>
               </a:rPr>
@@ -21348,10 +20560,9 @@
           <a:p>
             <a:pPr algn="ctr"/>
             <a:r>
-              <a:rPr lang="en-US" sz="1400" dirty="0" smtClean="0"/>
+              <a:rPr lang="en-US" sz="1400" dirty="0"/>
               <a:t>90% chance that this outcome would occur</a:t>
             </a:r>
-            <a:endParaRPr lang="en-US" sz="1400" dirty="0"/>
           </a:p>
         </p:txBody>
       </p:sp>
@@ -21384,10 +20595,9 @@
           <a:p>
             <a:pPr algn="ctr"/>
             <a:r>
-              <a:rPr lang="en-US" sz="1400" dirty="0" smtClean="0"/>
+              <a:rPr lang="en-US" sz="1400" dirty="0"/>
               <a:t>10% chance that this outcome would occur</a:t>
             </a:r>
-            <a:endParaRPr lang="en-US" sz="1400" dirty="0"/>
           </a:p>
         </p:txBody>
       </p:sp>
@@ -21655,7 +20865,7 @@
           </a:lstStyle>
           <a:p>
             <a:r>
-              <a:rPr lang="en-US" sz="1600" dirty="0" smtClean="0">
+              <a:rPr lang="en-US" sz="1600" dirty="0">
                 <a:solidFill>
                   <a:schemeClr val="bg2">
                     <a:lumMod val="20000"/>
@@ -21665,14 +20875,6 @@
               </a:rPr>
               <a:t>LEFT</a:t>
             </a:r>
-            <a:endParaRPr lang="en-US" sz="1600" dirty="0">
-              <a:solidFill>
-                <a:schemeClr val="bg2">
-                  <a:lumMod val="20000"/>
-                  <a:lumOff val="80000"/>
-                </a:schemeClr>
-              </a:solidFill>
-            </a:endParaRPr>
           </a:p>
         </p:txBody>
       </p:sp>
@@ -21892,7 +21094,7 @@
           </a:lstStyle>
           <a:p>
             <a:r>
-              <a:rPr lang="en-US" sz="1600" dirty="0" smtClean="0">
+              <a:rPr lang="en-US" sz="1600" dirty="0">
                 <a:solidFill>
                   <a:schemeClr val="bg2">
                     <a:lumMod val="20000"/>
@@ -21902,14 +21104,6 @@
               </a:rPr>
               <a:t>RIGHT</a:t>
             </a:r>
-            <a:endParaRPr lang="en-US" sz="1600" dirty="0">
-              <a:solidFill>
-                <a:schemeClr val="bg2">
-                  <a:lumMod val="20000"/>
-                  <a:lumOff val="80000"/>
-                </a:schemeClr>
-              </a:solidFill>
-            </a:endParaRPr>
           </a:p>
         </p:txBody>
       </p:sp>
@@ -21990,34 +21184,13 @@
           </a:lstStyle>
           <a:p>
             <a:r>
-              <a:rPr lang="en-US" sz="3000" dirty="0" smtClean="0">
+              <a:rPr lang="en-US" sz="3000" dirty="0">
                 <a:solidFill>
                   <a:srgbClr val="FF0000"/>
                 </a:solidFill>
               </a:rPr>
-              <a:t>PRESS THE </a:t>
-            </a:r>
-            <a:r>
-              <a:rPr lang="en-US" sz="3000" dirty="0">
-                <a:solidFill>
-                  <a:srgbClr val="FF0000"/>
-                </a:solidFill>
-              </a:rPr>
-              <a:t>TRIGGER BUTTON TO </a:t>
-            </a:r>
-            <a:r>
-              <a:rPr lang="en-US" sz="3000" dirty="0" smtClean="0">
-                <a:solidFill>
-                  <a:srgbClr val="FF0000"/>
-                </a:solidFill>
-              </a:rPr>
-              <a:t>CONTINUE</a:t>
-            </a:r>
-            <a:endParaRPr lang="en-US" sz="3000" dirty="0">
-              <a:solidFill>
-                <a:srgbClr val="FF0000"/>
-              </a:solidFill>
-            </a:endParaRPr>
+              <a:t>PRESS THE TRIGGER BUTTON TO CONTINUE</a:t>
+            </a:r>
           </a:p>
         </p:txBody>
       </p:sp>
@@ -22031,13 +21204,6 @@
   <p:clrMapOvr>
     <a:masterClrMapping/>
   </p:clrMapOvr>
-  <p:timing>
-    <p:tnLst>
-      <p:par>
-        <p:cTn id="1" dur="indefinite" restart="never" nodeType="tmRoot"/>
-      </p:par>
-    </p:tnLst>
-  </p:timing>
 </p:sld>
 </file>
 
